--- a/slide.pptx
+++ b/slide.pptx
@@ -9372,7 +9372,7 @@
                 <a:hlinkClick r:id="rId2">
                   <a:extLst>
                     <a:ext uri="{A12FA001-AC4F-418D-AE19-62706E023703}">
-                      <ahyp:hlinkClr xmlns:ahyp="http://schemas.microsoft.com/office/drawing/2018/hyperlinkcolor" xmlns:p15="http://schemas.microsoft.com/office/powerpoint/2012/main" xmlns:p14="http://schemas.microsoft.com/office/powerpoint/2010/main" xmlns:com="http://schemas.openxmlformats.org/drawingml/2006/compatibility" xmlns:pvml="urn:schemas-microsoft-com:office:powerpoint" xmlns:v="urn:schemas-microsoft-com:vml" xmlns:o="urn:schemas-microsoft-com:office:office" xmlns:dgm="http://schemas.openxmlformats.org/drawingml/2006/diagram" xmlns:c="http://schemas.openxmlformats.org/drawingml/2006/chart" xmlns:mv="urn:schemas-microsoft-com:mac:vml" xmlns:mc="http://schemas.openxmlformats.org/markup-compatibility/2006" xmlns="" val="tx"/>
+                      <ahyp:hlinkClr xmlns="" xmlns:mc="http://schemas.openxmlformats.org/markup-compatibility/2006" xmlns:mv="urn:schemas-microsoft-com:mac:vml" xmlns:c="http://schemas.openxmlformats.org/drawingml/2006/chart" xmlns:dgm="http://schemas.openxmlformats.org/drawingml/2006/diagram" xmlns:o="urn:schemas-microsoft-com:office:office" xmlns:v="urn:schemas-microsoft-com:vml" xmlns:pvml="urn:schemas-microsoft-com:office:powerpoint" xmlns:com="http://schemas.openxmlformats.org/drawingml/2006/compatibility" xmlns:p14="http://schemas.microsoft.com/office/powerpoint/2010/main" xmlns:p15="http://schemas.microsoft.com/office/powerpoint/2012/main" xmlns:ahyp="http://schemas.microsoft.com/office/drawing/2018/hyperlinkcolor" val="tx"/>
                     </a:ext>
                   </a:extLst>
                 </a:hlinkClick>
@@ -9406,7 +9406,7 @@
                 <a:hlinkClick r:id="rId3">
                   <a:extLst>
                     <a:ext uri="{A12FA001-AC4F-418D-AE19-62706E023703}">
-                      <ahyp:hlinkClr xmlns:ahyp="http://schemas.microsoft.com/office/drawing/2018/hyperlinkcolor" xmlns:p15="http://schemas.microsoft.com/office/powerpoint/2012/main" xmlns:p14="http://schemas.microsoft.com/office/powerpoint/2010/main" xmlns:com="http://schemas.openxmlformats.org/drawingml/2006/compatibility" xmlns:pvml="urn:schemas-microsoft-com:office:powerpoint" xmlns:v="urn:schemas-microsoft-com:vml" xmlns:o="urn:schemas-microsoft-com:office:office" xmlns:dgm="http://schemas.openxmlformats.org/drawingml/2006/diagram" xmlns:c="http://schemas.openxmlformats.org/drawingml/2006/chart" xmlns:mv="urn:schemas-microsoft-com:mac:vml" xmlns:mc="http://schemas.openxmlformats.org/markup-compatibility/2006" xmlns="" val="tx"/>
+                      <ahyp:hlinkClr xmlns="" xmlns:mc="http://schemas.openxmlformats.org/markup-compatibility/2006" xmlns:mv="urn:schemas-microsoft-com:mac:vml" xmlns:c="http://schemas.openxmlformats.org/drawingml/2006/chart" xmlns:dgm="http://schemas.openxmlformats.org/drawingml/2006/diagram" xmlns:o="urn:schemas-microsoft-com:office:office" xmlns:v="urn:schemas-microsoft-com:vml" xmlns:pvml="urn:schemas-microsoft-com:office:powerpoint" xmlns:com="http://schemas.openxmlformats.org/drawingml/2006/compatibility" xmlns:p14="http://schemas.microsoft.com/office/powerpoint/2010/main" xmlns:p15="http://schemas.microsoft.com/office/powerpoint/2012/main" xmlns:ahyp="http://schemas.microsoft.com/office/drawing/2018/hyperlinkcolor" val="tx"/>
                     </a:ext>
                   </a:extLst>
                 </a:hlinkClick>
@@ -9440,7 +9440,7 @@
                 <a:hlinkClick r:id="rId4">
                   <a:extLst>
                     <a:ext uri="{A12FA001-AC4F-418D-AE19-62706E023703}">
-                      <ahyp:hlinkClr xmlns:ahyp="http://schemas.microsoft.com/office/drawing/2018/hyperlinkcolor" xmlns:p15="http://schemas.microsoft.com/office/powerpoint/2012/main" xmlns:p14="http://schemas.microsoft.com/office/powerpoint/2010/main" xmlns:com="http://schemas.openxmlformats.org/drawingml/2006/compatibility" xmlns:pvml="urn:schemas-microsoft-com:office:powerpoint" xmlns:v="urn:schemas-microsoft-com:vml" xmlns:o="urn:schemas-microsoft-com:office:office" xmlns:dgm="http://schemas.openxmlformats.org/drawingml/2006/diagram" xmlns:c="http://schemas.openxmlformats.org/drawingml/2006/chart" xmlns:mv="urn:schemas-microsoft-com:mac:vml" xmlns:mc="http://schemas.openxmlformats.org/markup-compatibility/2006" xmlns="" val="tx"/>
+                      <ahyp:hlinkClr xmlns="" xmlns:mc="http://schemas.openxmlformats.org/markup-compatibility/2006" xmlns:mv="urn:schemas-microsoft-com:mac:vml" xmlns:c="http://schemas.openxmlformats.org/drawingml/2006/chart" xmlns:dgm="http://schemas.openxmlformats.org/drawingml/2006/diagram" xmlns:o="urn:schemas-microsoft-com:office:office" xmlns:v="urn:schemas-microsoft-com:vml" xmlns:pvml="urn:schemas-microsoft-com:office:powerpoint" xmlns:com="http://schemas.openxmlformats.org/drawingml/2006/compatibility" xmlns:p14="http://schemas.microsoft.com/office/powerpoint/2010/main" xmlns:p15="http://schemas.microsoft.com/office/powerpoint/2012/main" xmlns:ahyp="http://schemas.microsoft.com/office/drawing/2018/hyperlinkcolor" val="tx"/>
                     </a:ext>
                   </a:extLst>
                 </a:hlinkClick>
@@ -17564,8 +17564,8 @@
           </a:p>
         </p:txBody>
       </p:sp>
-      <mc:AlternateContent xmlns:mc="http://schemas.openxmlformats.org/markup-compatibility/2006">
-        <mc:Choice xmlns:a14="http://schemas.microsoft.com/office/drawing/2010/main" Requires="a14">
+      <mc:AlternateContent xmlns:mc="http://schemas.openxmlformats.org/markup-compatibility/2006" xmlns:a14="http://schemas.microsoft.com/office/drawing/2010/main">
+        <mc:Choice Requires="a14">
           <p:sp>
             <p:nvSpPr>
               <p:cNvPr id="2" name="Rectangle 1"/>
@@ -17607,14 +17607,7 @@
                     <a:latin typeface="Times New Roman" panose="02020603050405020304" pitchFamily="18" charset="0"/>
                     <a:cs typeface="Times New Roman" panose="02020603050405020304" pitchFamily="18" charset="0"/>
                   </a:rPr>
-                  <a:t>trong học máy và lý thuyết thông tin nói chung là thước đo tính ngẫu nhiên của thông tin đang được xử </a:t>
-                </a:r>
-                <a:r>
-                  <a:rPr lang="vi-VN" sz="2000">
-                    <a:latin typeface="Times New Roman" panose="02020603050405020304" pitchFamily="18" charset="0"/>
-                    <a:cs typeface="Times New Roman" panose="02020603050405020304" pitchFamily="18" charset="0"/>
-                  </a:rPr>
-                  <a:t>lý</a:t>
+                  <a:t>trong học máy và lý thuyết thông tin nói chung là thước đo tính ngẫu nhiên của thông tin đang được xử lý</a:t>
                 </a:r>
                 <a:r>
                   <a:rPr lang="vi-VN" sz="2000" smtClean="0">
@@ -17677,14 +17670,7 @@
                     <a:latin typeface="Times New Roman" panose="02020603050405020304" pitchFamily="18" charset="0"/>
                     <a:cs typeface="Times New Roman" panose="02020603050405020304" pitchFamily="18" charset="0"/>
                   </a:rPr>
-                  <a:t>trên sự giảm của hàm</a:t>
-                </a:r>
-                <a:r>
-                  <a:rPr lang="vi-VN" sz="2000">
-                    <a:latin typeface="Times New Roman" panose="02020603050405020304" pitchFamily="18" charset="0"/>
-                    <a:cs typeface="Times New Roman" panose="02020603050405020304" pitchFamily="18" charset="0"/>
-                  </a:rPr>
-                  <a:t> </a:t>
+                  <a:t>trên sự giảm của hàm </a:t>
                 </a:r>
                 <a:r>
                   <a:rPr lang="en-US" sz="2000" smtClean="0">
@@ -17698,14 +17684,7 @@
                     <a:latin typeface="Times New Roman" panose="02020603050405020304" pitchFamily="18" charset="0"/>
                     <a:cs typeface="Times New Roman" panose="02020603050405020304" pitchFamily="18" charset="0"/>
                   </a:rPr>
-                  <a:t> khi tập dữ liệu được phân chia trên một </a:t>
-                </a:r>
-                <a:r>
-                  <a:rPr lang="vi-VN" sz="2000">
-                    <a:latin typeface="Times New Roman" panose="02020603050405020304" pitchFamily="18" charset="0"/>
-                    <a:cs typeface="Times New Roman" panose="02020603050405020304" pitchFamily="18" charset="0"/>
-                  </a:rPr>
-                  <a:t>thuộc </a:t>
+                  <a:t> khi tập dữ liệu được phân chia trên một thuộc </a:t>
                 </a:r>
                 <a:r>
                   <a:rPr lang="vi-VN" sz="2000" smtClean="0">
@@ -17756,14 +17735,7 @@
                     <a:latin typeface="Times New Roman" panose="02020603050405020304" pitchFamily="18" charset="0"/>
                     <a:cs typeface="Times New Roman" panose="02020603050405020304" pitchFamily="18" charset="0"/>
                   </a:rPr>
-                  <a:t>: Tính toán hệ số</a:t>
-                </a:r>
-                <a:r>
-                  <a:rPr lang="vi-VN" sz="2000">
-                    <a:latin typeface="Times New Roman" panose="02020603050405020304" pitchFamily="18" charset="0"/>
-                    <a:cs typeface="Times New Roman" panose="02020603050405020304" pitchFamily="18" charset="0"/>
-                  </a:rPr>
-                  <a:t> </a:t>
+                  <a:t>: Tính toán hệ số </a:t>
                 </a:r>
                 <a:r>
                   <a:rPr lang="en-US" sz="2000" smtClean="0">
@@ -17823,7 +17795,9 @@
                         <m:t>)=</m:t>
                       </m:r>
                       <m:r>
-                        <a:rPr lang="en-US" sz="2000" i="1"/>
+                        <a:rPr lang="en-US" sz="2000" i="1">
+                          <a:latin typeface="Cambria Math" panose="02040503050406030204" pitchFamily="18" charset="0"/>
+                        </a:rPr>
                         <m:t>−</m:t>
                       </m:r>
                       <m:nary>
@@ -17831,56 +17805,76 @@
                           <m:chr m:val="∑"/>
                           <m:limLoc m:val="undOvr"/>
                           <m:ctrlPr>
-                            <a:rPr lang="en-US" sz="2000" i="1"/>
+                            <a:rPr lang="en-US" sz="2000" i="1">
+                              <a:latin typeface="Cambria Math" panose="02040503050406030204" pitchFamily="18" charset="0"/>
+                            </a:rPr>
                           </m:ctrlPr>
                         </m:naryPr>
                         <m:sub>
                           <m:r>
-                            <a:rPr lang="en-US" sz="2000" i="1"/>
+                            <a:rPr lang="en-US" sz="2000" i="1">
+                              <a:latin typeface="Cambria Math" panose="02040503050406030204" pitchFamily="18" charset="0"/>
+                            </a:rPr>
                             <m:t>𝑖</m:t>
                           </m:r>
                           <m:r>
-                            <a:rPr lang="en-US" sz="2000" i="1"/>
+                            <a:rPr lang="en-US" sz="2000" i="1">
+                              <a:latin typeface="Cambria Math" panose="02040503050406030204" pitchFamily="18" charset="0"/>
+                            </a:rPr>
                             <m:t>=</m:t>
                           </m:r>
                           <m:r>
-                            <a:rPr lang="en-US" sz="2000" i="1"/>
+                            <a:rPr lang="en-US" sz="2000" i="1">
+                              <a:latin typeface="Cambria Math" panose="02040503050406030204" pitchFamily="18" charset="0"/>
+                            </a:rPr>
                             <m:t>1</m:t>
                           </m:r>
                         </m:sub>
                         <m:sup>
                           <m:r>
-                            <a:rPr lang="en-US" sz="2000" i="1"/>
+                            <a:rPr lang="en-US" sz="2000" i="1">
+                              <a:latin typeface="Cambria Math" panose="02040503050406030204" pitchFamily="18" charset="0"/>
+                            </a:rPr>
                             <m:t>𝑚</m:t>
                           </m:r>
                         </m:sup>
                         <m:e>
                           <m:r>
-                            <a:rPr lang="en-US" sz="2000" i="1"/>
+                            <a:rPr lang="en-US" sz="2000" i="1">
+                              <a:latin typeface="Cambria Math" panose="02040503050406030204" pitchFamily="18" charset="0"/>
+                            </a:rPr>
                             <m:t>𝑃</m:t>
                           </m:r>
                           <m:d>
                             <m:dPr>
                               <m:ctrlPr>
-                                <a:rPr lang="en-US" sz="2000" i="1"/>
+                                <a:rPr lang="en-US" sz="2000" i="1">
+                                  <a:latin typeface="Cambria Math" panose="02040503050406030204" pitchFamily="18" charset="0"/>
+                                </a:rPr>
                               </m:ctrlPr>
                             </m:dPr>
                             <m:e>
                               <m:sSub>
                                 <m:sSubPr>
                                   <m:ctrlPr>
-                                    <a:rPr lang="en-US" sz="2000" i="1"/>
+                                    <a:rPr lang="en-US" sz="2000" i="1">
+                                      <a:latin typeface="Cambria Math" panose="02040503050406030204" pitchFamily="18" charset="0"/>
+                                    </a:rPr>
                                   </m:ctrlPr>
                                 </m:sSubPr>
                                 <m:e>
                                   <m:r>
-                                    <a:rPr lang="en-US" sz="2000" i="1"/>
+                                    <a:rPr lang="en-US" sz="2000" i="1">
+                                      <a:latin typeface="Cambria Math" panose="02040503050406030204" pitchFamily="18" charset="0"/>
+                                    </a:rPr>
                                     <m:t>𝑐</m:t>
                                   </m:r>
                                 </m:e>
                                 <m:sub>
                                   <m:r>
-                                    <a:rPr lang="en-US" sz="2000" i="1"/>
+                                    <a:rPr lang="en-US" sz="2000" i="1">
+                                      <a:latin typeface="Cambria Math" panose="02040503050406030204" pitchFamily="18" charset="0"/>
+                                    </a:rPr>
                                     <m:t>𝑖</m:t>
                                   </m:r>
                                 </m:sub>
@@ -17890,18 +17884,24 @@
                           <m:func>
                             <m:funcPr>
                               <m:ctrlPr>
-                                <a:rPr lang="en-US" sz="2000" i="1"/>
+                                <a:rPr lang="en-US" sz="2000" i="1">
+                                  <a:latin typeface="Cambria Math" panose="02040503050406030204" pitchFamily="18" charset="0"/>
+                                </a:rPr>
                               </m:ctrlPr>
                             </m:funcPr>
                             <m:fName>
                               <m:r>
-                                <a:rPr lang="en-US" sz="2000" i="1"/>
+                                <a:rPr lang="en-US" sz="2000" i="1">
+                                  <a:latin typeface="Cambria Math" panose="02040503050406030204" pitchFamily="18" charset="0"/>
+                                </a:rPr>
                                 <m:t>𝑙𝑜𝑔</m:t>
                               </m:r>
                             </m:fName>
                             <m:e>
                               <m:r>
-                                <a:rPr lang="en-US" sz="2000" i="1"/>
+                                <a:rPr lang="en-US" sz="2000" i="1">
+                                  <a:latin typeface="Cambria Math" panose="02040503050406030204" pitchFamily="18" charset="0"/>
+                                </a:rPr>
                                 <m:t>𝑃</m:t>
                               </m:r>
                               <m:d>
@@ -17916,18 +17916,24 @@
                                   <m:sSub>
                                     <m:sSubPr>
                                       <m:ctrlPr>
-                                        <a:rPr lang="en-US" sz="2000" i="1"/>
+                                        <a:rPr lang="en-US" sz="2000" i="1">
+                                          <a:latin typeface="Cambria Math" panose="02040503050406030204" pitchFamily="18" charset="0"/>
+                                        </a:rPr>
                                       </m:ctrlPr>
                                     </m:sSubPr>
                                     <m:e>
                                       <m:r>
-                                        <a:rPr lang="en-US" sz="2000" i="1"/>
+                                        <a:rPr lang="en-US" sz="2000" i="1">
+                                          <a:latin typeface="Cambria Math" panose="02040503050406030204" pitchFamily="18" charset="0"/>
+                                        </a:rPr>
                                         <m:t>𝑐</m:t>
                                       </m:r>
                                     </m:e>
                                     <m:sub>
                                       <m:r>
-                                        <a:rPr lang="en-US" sz="2000" i="1"/>
+                                        <a:rPr lang="en-US" sz="2000" i="1">
+                                          <a:latin typeface="Cambria Math" panose="02040503050406030204" pitchFamily="18" charset="0"/>
+                                        </a:rPr>
                                         <m:t>𝑖</m:t>
                                       </m:r>
                                     </m:sub>
@@ -18052,7 +18058,7 @@
             </p:txBody>
           </p:sp>
         </mc:Choice>
-        <mc:Fallback>
+        <mc:Fallback xmlns="">
           <p:sp>
             <p:nvSpPr>
               <p:cNvPr id="2" name="Rectangle 1"/>
@@ -18168,8 +18174,8 @@
           </a:p>
         </p:txBody>
       </p:sp>
-      <mc:AlternateContent xmlns:mc="http://schemas.openxmlformats.org/markup-compatibility/2006">
-        <mc:Choice xmlns:a14="http://schemas.microsoft.com/office/drawing/2010/main" Requires="a14">
+      <mc:AlternateContent xmlns:mc="http://schemas.openxmlformats.org/markup-compatibility/2006" xmlns:a14="http://schemas.microsoft.com/office/drawing/2010/main">
+        <mc:Choice Requires="a14">
           <p:sp>
             <p:nvSpPr>
               <p:cNvPr id="2" name="Rectangle 1"/>
@@ -18243,7 +18249,9 @@
                 <a14:m>
                   <m:oMath xmlns:m="http://schemas.openxmlformats.org/officeDocument/2006/math">
                     <m:r>
-                      <a:rPr lang="en-US" sz="2000" i="1"/>
+                      <a:rPr lang="en-US" sz="2000" i="1">
+                        <a:latin typeface="Cambria Math" panose="02040503050406030204" pitchFamily="18" charset="0"/>
+                      </a:rPr>
                       <m:t>= −</m:t>
                     </m:r>
                     <m:nary>
@@ -18252,28 +18260,38 @@
                         <m:limLoc m:val="undOvr"/>
                         <m:supHide m:val="on"/>
                         <m:ctrlPr>
-                          <a:rPr lang="en-US" sz="2000" i="1"/>
+                          <a:rPr lang="en-US" sz="2000" i="1">
+                            <a:latin typeface="Cambria Math" panose="02040503050406030204" pitchFamily="18" charset="0"/>
+                          </a:rPr>
                         </m:ctrlPr>
                       </m:naryPr>
                       <m:sub>
                         <m:r>
-                          <a:rPr lang="en-US" sz="2000" i="1"/>
+                          <a:rPr lang="en-US" sz="2000" i="1">
+                            <a:latin typeface="Cambria Math" panose="02040503050406030204" pitchFamily="18" charset="0"/>
+                          </a:rPr>
                           <m:t>𝑓</m:t>
                         </m:r>
                         <m:r>
-                          <a:rPr lang="en-US" sz="2000" i="1"/>
+                          <a:rPr lang="en-US" sz="2000" i="1">
+                            <a:latin typeface="Cambria Math" panose="02040503050406030204" pitchFamily="18" charset="0"/>
+                          </a:rPr>
                           <m:t>,</m:t>
                         </m:r>
                         <m:acc>
                           <m:accPr>
                             <m:chr m:val="̅"/>
                             <m:ctrlPr>
-                              <a:rPr lang="en-US" sz="2000" i="1"/>
+                              <a:rPr lang="en-US" sz="2000" i="1">
+                                <a:latin typeface="Cambria Math" panose="02040503050406030204" pitchFamily="18" charset="0"/>
+                              </a:rPr>
                             </m:ctrlPr>
                           </m:accPr>
                           <m:e>
                             <m:r>
-                              <a:rPr lang="en-US" sz="2000" i="1"/>
+                              <a:rPr lang="en-US" sz="2000" i="1">
+                                <a:latin typeface="Cambria Math" panose="02040503050406030204" pitchFamily="18" charset="0"/>
+                              </a:rPr>
                               <m:t>𝑓</m:t>
                             </m:r>
                           </m:e>
@@ -18282,19 +18300,27 @@
                       <m:sup/>
                       <m:e>
                         <m:r>
-                          <a:rPr lang="en-US" sz="2000" i="1"/>
+                          <a:rPr lang="en-US" sz="2000" i="1">
+                            <a:latin typeface="Cambria Math" panose="02040503050406030204" pitchFamily="18" charset="0"/>
+                          </a:rPr>
                           <m:t>𝑃</m:t>
                         </m:r>
                         <m:r>
-                          <a:rPr lang="en-US" sz="2000" i="1"/>
+                          <a:rPr lang="en-US" sz="2000" i="1">
+                            <a:latin typeface="Cambria Math" panose="02040503050406030204" pitchFamily="18" charset="0"/>
+                          </a:rPr>
                           <m:t>(</m:t>
                         </m:r>
                         <m:r>
-                          <a:rPr lang="en-US" sz="2000" i="1"/>
+                          <a:rPr lang="en-US" sz="2000" i="1">
+                            <a:latin typeface="Cambria Math" panose="02040503050406030204" pitchFamily="18" charset="0"/>
+                          </a:rPr>
                           <m:t>𝑓</m:t>
                         </m:r>
                         <m:r>
-                          <a:rPr lang="en-US" sz="2000" i="1"/>
+                          <a:rPr lang="en-US" sz="2000" i="1">
+                            <a:latin typeface="Cambria Math" panose="02040503050406030204" pitchFamily="18" charset="0"/>
+                          </a:rPr>
                           <m:t>)</m:t>
                         </m:r>
                       </m:e>
@@ -18304,119 +18330,165 @@
                         <m:chr m:val="∑"/>
                         <m:limLoc m:val="undOvr"/>
                         <m:ctrlPr>
-                          <a:rPr lang="en-US" sz="2000" i="1"/>
+                          <a:rPr lang="en-US" sz="2000" i="1">
+                            <a:latin typeface="Cambria Math" panose="02040503050406030204" pitchFamily="18" charset="0"/>
+                          </a:rPr>
                         </m:ctrlPr>
                       </m:naryPr>
                       <m:sub>
                         <m:r>
-                          <a:rPr lang="en-US" sz="2000" i="1"/>
+                          <a:rPr lang="en-US" sz="2000" i="1">
+                            <a:latin typeface="Cambria Math" panose="02040503050406030204" pitchFamily="18" charset="0"/>
+                          </a:rPr>
                           <m:t>𝑖</m:t>
                         </m:r>
                         <m:r>
-                          <a:rPr lang="en-US" sz="2000" i="1"/>
+                          <a:rPr lang="en-US" sz="2000" i="1">
+                            <a:latin typeface="Cambria Math" panose="02040503050406030204" pitchFamily="18" charset="0"/>
+                          </a:rPr>
                           <m:t>=</m:t>
                         </m:r>
                         <m:r>
-                          <a:rPr lang="en-US" sz="2000" i="1"/>
+                          <a:rPr lang="en-US" sz="2000" i="1">
+                            <a:latin typeface="Cambria Math" panose="02040503050406030204" pitchFamily="18" charset="0"/>
+                          </a:rPr>
                           <m:t>1</m:t>
                         </m:r>
                       </m:sub>
                       <m:sup>
                         <m:r>
-                          <a:rPr lang="en-US" sz="2000" i="1"/>
+                          <a:rPr lang="en-US" sz="2000" i="1">
+                            <a:latin typeface="Cambria Math" panose="02040503050406030204" pitchFamily="18" charset="0"/>
+                          </a:rPr>
                           <m:t>𝑚</m:t>
                         </m:r>
                       </m:sup>
                       <m:e>
                         <m:r>
-                          <a:rPr lang="en-US" sz="2000" i="1"/>
+                          <a:rPr lang="en-US" sz="2000" i="1">
+                            <a:latin typeface="Cambria Math" panose="02040503050406030204" pitchFamily="18" charset="0"/>
+                          </a:rPr>
                           <m:t>𝑃</m:t>
                         </m:r>
                         <m:r>
-                          <a:rPr lang="en-US" sz="2000" i="1"/>
+                          <a:rPr lang="en-US" sz="2000" i="1">
+                            <a:latin typeface="Cambria Math" panose="02040503050406030204" pitchFamily="18" charset="0"/>
+                          </a:rPr>
                           <m:t>(</m:t>
                         </m:r>
                         <m:sSub>
                           <m:sSubPr>
                             <m:ctrlPr>
-                              <a:rPr lang="en-US" sz="2000" i="1"/>
+                              <a:rPr lang="en-US" sz="2000" i="1">
+                                <a:latin typeface="Cambria Math" panose="02040503050406030204" pitchFamily="18" charset="0"/>
+                              </a:rPr>
                             </m:ctrlPr>
                           </m:sSubPr>
                           <m:e>
                             <m:r>
-                              <a:rPr lang="en-US" sz="2000" i="1"/>
+                              <a:rPr lang="en-US" sz="2000" i="1">
+                                <a:latin typeface="Cambria Math" panose="02040503050406030204" pitchFamily="18" charset="0"/>
+                              </a:rPr>
                               <m:t>𝑐</m:t>
                             </m:r>
                           </m:e>
                           <m:sub>
                             <m:r>
-                              <a:rPr lang="en-US" sz="2000" i="1"/>
+                              <a:rPr lang="en-US" sz="2000" i="1">
+                                <a:latin typeface="Cambria Math" panose="02040503050406030204" pitchFamily="18" charset="0"/>
+                              </a:rPr>
                               <m:t>𝑖</m:t>
                             </m:r>
                           </m:sub>
                         </m:sSub>
                         <m:r>
-                          <a:rPr lang="en-US" sz="2000" i="1"/>
+                          <a:rPr lang="en-US" sz="2000" i="1">
+                            <a:latin typeface="Cambria Math" panose="02040503050406030204" pitchFamily="18" charset="0"/>
+                          </a:rPr>
                           <m:t>|</m:t>
                         </m:r>
                         <m:r>
-                          <a:rPr lang="en-US" sz="2000" i="1"/>
+                          <a:rPr lang="en-US" sz="2000" i="1">
+                            <a:latin typeface="Cambria Math" panose="02040503050406030204" pitchFamily="18" charset="0"/>
+                          </a:rPr>
                           <m:t>𝑓</m:t>
                         </m:r>
                         <m:r>
-                          <a:rPr lang="en-US" sz="2000" i="1"/>
+                          <a:rPr lang="en-US" sz="2000" i="1">
+                            <a:latin typeface="Cambria Math" panose="02040503050406030204" pitchFamily="18" charset="0"/>
+                          </a:rPr>
                           <m:t>)</m:t>
                         </m:r>
                         <m:func>
                           <m:funcPr>
                             <m:ctrlPr>
-                              <a:rPr lang="en-US" sz="2000" i="1"/>
+                              <a:rPr lang="en-US" sz="2000" i="1">
+                                <a:latin typeface="Cambria Math" panose="02040503050406030204" pitchFamily="18" charset="0"/>
+                              </a:rPr>
                             </m:ctrlPr>
                           </m:funcPr>
                           <m:fName>
                             <m:r>
-                              <a:rPr lang="en-US" sz="2000" i="1"/>
+                              <a:rPr lang="en-US" sz="2000" i="1">
+                                <a:latin typeface="Cambria Math" panose="02040503050406030204" pitchFamily="18" charset="0"/>
+                              </a:rPr>
                               <m:t>𝑙𝑜𝑔</m:t>
                             </m:r>
                           </m:fName>
                           <m:e>
                             <m:r>
-                              <a:rPr lang="en-US" sz="2000" i="1"/>
+                              <a:rPr lang="en-US" sz="2000" i="1">
+                                <a:latin typeface="Cambria Math" panose="02040503050406030204" pitchFamily="18" charset="0"/>
+                              </a:rPr>
                               <m:t>𝑃</m:t>
                             </m:r>
                             <m:r>
-                              <a:rPr lang="en-US" sz="2000" i="1"/>
+                              <a:rPr lang="en-US" sz="2000" i="1">
+                                <a:latin typeface="Cambria Math" panose="02040503050406030204" pitchFamily="18" charset="0"/>
+                              </a:rPr>
                               <m:t>(</m:t>
                             </m:r>
                             <m:sSub>
                               <m:sSubPr>
                                 <m:ctrlPr>
-                                  <a:rPr lang="en-US" sz="2000" i="1"/>
+                                  <a:rPr lang="en-US" sz="2000" i="1">
+                                    <a:latin typeface="Cambria Math" panose="02040503050406030204" pitchFamily="18" charset="0"/>
+                                  </a:rPr>
                                 </m:ctrlPr>
                               </m:sSubPr>
                               <m:e>
                                 <m:r>
-                                  <a:rPr lang="en-US" sz="2000" i="1"/>
+                                  <a:rPr lang="en-US" sz="2000" i="1">
+                                    <a:latin typeface="Cambria Math" panose="02040503050406030204" pitchFamily="18" charset="0"/>
+                                  </a:rPr>
                                   <m:t>𝑐</m:t>
                                 </m:r>
                               </m:e>
                               <m:sub>
                                 <m:r>
-                                  <a:rPr lang="en-US" sz="2000" i="1"/>
+                                  <a:rPr lang="en-US" sz="2000" i="1">
+                                    <a:latin typeface="Cambria Math" panose="02040503050406030204" pitchFamily="18" charset="0"/>
+                                  </a:rPr>
                                   <m:t>𝑖</m:t>
                                 </m:r>
                               </m:sub>
                             </m:sSub>
                             <m:r>
-                              <a:rPr lang="en-US" sz="2000" i="1"/>
+                              <a:rPr lang="en-US" sz="2000" i="1">
+                                <a:latin typeface="Cambria Math" panose="02040503050406030204" pitchFamily="18" charset="0"/>
+                              </a:rPr>
                               <m:t>|</m:t>
                             </m:r>
                             <m:r>
-                              <a:rPr lang="en-US" sz="2000" i="1"/>
+                              <a:rPr lang="en-US" sz="2000" i="1">
+                                <a:latin typeface="Cambria Math" panose="02040503050406030204" pitchFamily="18" charset="0"/>
+                              </a:rPr>
                               <m:t>𝑓</m:t>
                             </m:r>
                             <m:r>
-                              <a:rPr lang="en-US" sz="2000" i="1"/>
+                              <a:rPr lang="en-US" sz="2000" i="1">
+                                <a:latin typeface="Cambria Math" panose="02040503050406030204" pitchFamily="18" charset="0"/>
+                              </a:rPr>
                               <m:t>)</m:t>
                             </m:r>
                           </m:e>
@@ -18473,14 +18545,7 @@
                     <a:latin typeface="Times New Roman" panose="02020603050405020304" pitchFamily="18" charset="0"/>
                     <a:cs typeface="Times New Roman" panose="02020603050405020304" pitchFamily="18" charset="0"/>
                   </a:rPr>
-                  <a:t> là xác suất </a:t>
-                </a:r>
-                <a:r>
-                  <a:rPr lang="en-US" sz="2000">
-                    <a:latin typeface="Times New Roman" panose="02020603050405020304" pitchFamily="18" charset="0"/>
-                    <a:cs typeface="Times New Roman" panose="02020603050405020304" pitchFamily="18" charset="0"/>
-                  </a:rPr>
-                  <a:t>để </a:t>
+                  <a:t> là xác suất để </a:t>
                 </a:r>
                 <a:r>
                   <a:rPr lang="en-US" sz="2000" smtClean="0">
@@ -18494,14 +18559,7 @@
                     <a:latin typeface="Times New Roman" panose="02020603050405020304" pitchFamily="18" charset="0"/>
                     <a:cs typeface="Times New Roman" panose="02020603050405020304" pitchFamily="18" charset="0"/>
                   </a:rPr>
-                  <a:t>đặc </a:t>
-                </a:r>
-                <a:r>
-                  <a:rPr lang="en-US" sz="2000">
-                    <a:latin typeface="Times New Roman" panose="02020603050405020304" pitchFamily="18" charset="0"/>
-                    <a:cs typeface="Times New Roman" panose="02020603050405020304" pitchFamily="18" charset="0"/>
-                  </a:rPr>
-                  <a:t>trưng </a:t>
+                  <a:t>đặc trưng </a:t>
                 </a:r>
                 <a:r>
                   <a:rPr lang="en-US" sz="2000" smtClean="0">
@@ -18512,7 +18570,6 @@
                 </a:r>
               </a:p>
               <a:p>
-                <a:pPr/>
                 <a14:m>
                   <m:oMath xmlns:m="http://schemas.openxmlformats.org/officeDocument/2006/math">
                     <m:r>
@@ -18648,14 +18705,7 @@
                     <a:latin typeface="Times New Roman" panose="02020603050405020304" pitchFamily="18" charset="0"/>
                     <a:cs typeface="Times New Roman" panose="02020603050405020304" pitchFamily="18" charset="0"/>
                   </a:rPr>
-                  <a:t>: Chỉ số </a:t>
-                </a:r>
-                <a:r>
-                  <a:rPr lang="vi-VN" sz="2000">
-                    <a:latin typeface="Times New Roman" panose="02020603050405020304" pitchFamily="18" charset="0"/>
-                    <a:cs typeface="Times New Roman" panose="02020603050405020304" pitchFamily="18" charset="0"/>
-                  </a:rPr>
-                  <a:t>Gain </a:t>
+                  <a:t>: Chỉ số Gain </a:t>
                 </a:r>
                 <a:r>
                   <a:rPr lang="vi-VN" sz="2000" smtClean="0">
@@ -18687,6 +18737,7 @@
                 </a:r>
               </a:p>
               <a:p>
+                <a:pPr/>
                 <a14:m>
                   <m:oMathPara xmlns:m="http://schemas.openxmlformats.org/officeDocument/2006/math">
                     <m:oMathParaPr>
@@ -18805,6 +18856,7 @@
                 </a:r>
               </a:p>
               <a:p>
+                <a:pPr/>
                 <a14:m>
                   <m:oMathPara xmlns:m="http://schemas.openxmlformats.org/officeDocument/2006/math">
                     <m:oMathParaPr>
@@ -18812,24 +18864,32 @@
                     </m:oMathParaPr>
                     <m:oMath xmlns:m="http://schemas.openxmlformats.org/officeDocument/2006/math">
                       <m:r>
-                        <a:rPr lang="en-US" sz="2000" i="1"/>
+                        <a:rPr lang="en-US" sz="2000" i="1">
+                          <a:latin typeface="Cambria Math" panose="02040503050406030204" pitchFamily="18" charset="0"/>
+                        </a:rPr>
                         <m:t>𝐼𝐺</m:t>
                       </m:r>
                       <m:d>
                         <m:dPr>
                           <m:ctrlPr>
-                            <a:rPr lang="en-US" sz="2000" i="1"/>
+                            <a:rPr lang="en-US" sz="2000" i="1">
+                              <a:latin typeface="Cambria Math" panose="02040503050406030204" pitchFamily="18" charset="0"/>
+                            </a:rPr>
                           </m:ctrlPr>
                         </m:dPr>
                         <m:e>
                           <m:r>
-                            <a:rPr lang="en-US" sz="2000" i="1"/>
+                            <a:rPr lang="en-US" sz="2000" i="1">
+                              <a:latin typeface="Cambria Math" panose="02040503050406030204" pitchFamily="18" charset="0"/>
+                            </a:rPr>
                             <m:t>𝑓</m:t>
                           </m:r>
                         </m:e>
                       </m:d>
                       <m:r>
-                        <a:rPr lang="en-US" sz="2000" i="1"/>
+                        <a:rPr lang="en-US" sz="2000" i="1">
+                          <a:latin typeface="Cambria Math" panose="02040503050406030204" pitchFamily="18" charset="0"/>
+                        </a:rPr>
                         <m:t>= −</m:t>
                       </m:r>
                       <m:nary>
@@ -18837,56 +18897,76 @@
                           <m:chr m:val="∑"/>
                           <m:limLoc m:val="undOvr"/>
                           <m:ctrlPr>
-                            <a:rPr lang="en-US" sz="2000" i="1"/>
+                            <a:rPr lang="en-US" sz="2000" i="1">
+                              <a:latin typeface="Cambria Math" panose="02040503050406030204" pitchFamily="18" charset="0"/>
+                            </a:rPr>
                           </m:ctrlPr>
                         </m:naryPr>
                         <m:sub>
                           <m:r>
-                            <a:rPr lang="en-US" sz="2000" i="1"/>
+                            <a:rPr lang="en-US" sz="2000" i="1">
+                              <a:latin typeface="Cambria Math" panose="02040503050406030204" pitchFamily="18" charset="0"/>
+                            </a:rPr>
                             <m:t>𝑖</m:t>
                           </m:r>
                           <m:r>
-                            <a:rPr lang="en-US" sz="2000" i="1"/>
+                            <a:rPr lang="en-US" sz="2000" i="1">
+                              <a:latin typeface="Cambria Math" panose="02040503050406030204" pitchFamily="18" charset="0"/>
+                            </a:rPr>
                             <m:t>=</m:t>
                           </m:r>
                           <m:r>
-                            <a:rPr lang="en-US" sz="2000" i="1"/>
+                            <a:rPr lang="en-US" sz="2000" i="1">
+                              <a:latin typeface="Cambria Math" panose="02040503050406030204" pitchFamily="18" charset="0"/>
+                            </a:rPr>
                             <m:t>1</m:t>
                           </m:r>
                         </m:sub>
                         <m:sup>
                           <m:r>
-                            <a:rPr lang="en-US" sz="2000" i="1"/>
+                            <a:rPr lang="en-US" sz="2000" i="1">
+                              <a:latin typeface="Cambria Math" panose="02040503050406030204" pitchFamily="18" charset="0"/>
+                            </a:rPr>
                             <m:t>𝑚</m:t>
                           </m:r>
                         </m:sup>
                         <m:e>
                           <m:r>
-                            <a:rPr lang="en-US" sz="2000" i="1"/>
+                            <a:rPr lang="en-US" sz="2000" i="1">
+                              <a:latin typeface="Cambria Math" panose="02040503050406030204" pitchFamily="18" charset="0"/>
+                            </a:rPr>
                             <m:t>𝑃</m:t>
                           </m:r>
                           <m:d>
                             <m:dPr>
                               <m:ctrlPr>
-                                <a:rPr lang="en-US" sz="2000" i="1"/>
+                                <a:rPr lang="en-US" sz="2000" i="1">
+                                  <a:latin typeface="Cambria Math" panose="02040503050406030204" pitchFamily="18" charset="0"/>
+                                </a:rPr>
                               </m:ctrlPr>
                             </m:dPr>
                             <m:e>
                               <m:sSub>
                                 <m:sSubPr>
                                   <m:ctrlPr>
-                                    <a:rPr lang="en-US" sz="2000" i="1"/>
+                                    <a:rPr lang="en-US" sz="2000" i="1">
+                                      <a:latin typeface="Cambria Math" panose="02040503050406030204" pitchFamily="18" charset="0"/>
+                                    </a:rPr>
                                   </m:ctrlPr>
                                 </m:sSubPr>
                                 <m:e>
                                   <m:r>
-                                    <a:rPr lang="en-US" sz="2000" i="1"/>
+                                    <a:rPr lang="en-US" sz="2000" i="1">
+                                      <a:latin typeface="Cambria Math" panose="02040503050406030204" pitchFamily="18" charset="0"/>
+                                    </a:rPr>
                                     <m:t>𝑐</m:t>
                                   </m:r>
                                 </m:e>
                                 <m:sub>
                                   <m:r>
-                                    <a:rPr lang="en-US" sz="2000" i="1"/>
+                                    <a:rPr lang="en-US" sz="2000" i="1">
+                                      <a:latin typeface="Cambria Math" panose="02040503050406030204" pitchFamily="18" charset="0"/>
+                                    </a:rPr>
                                     <m:t>𝑖</m:t>
                                   </m:r>
                                 </m:sub>
@@ -18896,45 +18976,61 @@
                           <m:func>
                             <m:funcPr>
                               <m:ctrlPr>
-                                <a:rPr lang="en-US" sz="2000" i="1"/>
+                                <a:rPr lang="en-US" sz="2000" i="1">
+                                  <a:latin typeface="Cambria Math" panose="02040503050406030204" pitchFamily="18" charset="0"/>
+                                </a:rPr>
                               </m:ctrlPr>
                             </m:funcPr>
                             <m:fName>
                               <m:r>
-                                <a:rPr lang="en-US" sz="2000" i="1"/>
+                                <a:rPr lang="en-US" sz="2000" i="1">
+                                  <a:latin typeface="Cambria Math" panose="02040503050406030204" pitchFamily="18" charset="0"/>
+                                </a:rPr>
                                 <m:t>𝑙𝑜𝑔</m:t>
                               </m:r>
                             </m:fName>
                             <m:e>
                               <m:r>
-                                <a:rPr lang="en-US" sz="2000" i="1"/>
+                                <a:rPr lang="en-US" sz="2000" i="1">
+                                  <a:latin typeface="Cambria Math" panose="02040503050406030204" pitchFamily="18" charset="0"/>
+                                </a:rPr>
                                 <m:t>𝑃</m:t>
                               </m:r>
                               <m:r>
-                                <a:rPr lang="en-US" sz="2000" i="1"/>
+                                <a:rPr lang="en-US" sz="2000" i="1">
+                                  <a:latin typeface="Cambria Math" panose="02040503050406030204" pitchFamily="18" charset="0"/>
+                                </a:rPr>
                                 <m:t>(</m:t>
                               </m:r>
                               <m:sSub>
                                 <m:sSubPr>
                                   <m:ctrlPr>
-                                    <a:rPr lang="en-US" sz="2000" i="1"/>
+                                    <a:rPr lang="en-US" sz="2000" i="1">
+                                      <a:latin typeface="Cambria Math" panose="02040503050406030204" pitchFamily="18" charset="0"/>
+                                    </a:rPr>
                                   </m:ctrlPr>
                                 </m:sSubPr>
                                 <m:e>
                                   <m:r>
-                                    <a:rPr lang="en-US" sz="2000" i="1"/>
+                                    <a:rPr lang="en-US" sz="2000" i="1">
+                                      <a:latin typeface="Cambria Math" panose="02040503050406030204" pitchFamily="18" charset="0"/>
+                                    </a:rPr>
                                     <m:t>𝑐</m:t>
                                   </m:r>
                                 </m:e>
                                 <m:sub>
                                   <m:r>
-                                    <a:rPr lang="en-US" sz="2000" i="1"/>
+                                    <a:rPr lang="en-US" sz="2000" i="1">
+                                      <a:latin typeface="Cambria Math" panose="02040503050406030204" pitchFamily="18" charset="0"/>
+                                    </a:rPr>
                                     <m:t>𝑖</m:t>
                                   </m:r>
                                 </m:sub>
                               </m:sSub>
                               <m:r>
-                                <a:rPr lang="en-US" sz="2000" i="1"/>
+                                <a:rPr lang="en-US" sz="2000" i="1">
+                                  <a:latin typeface="Cambria Math" panose="02040503050406030204" pitchFamily="18" charset="0"/>
+                                </a:rPr>
                                 <m:t>)</m:t>
                               </m:r>
                             </m:e>
@@ -18942,7 +19038,9 @@
                         </m:e>
                       </m:nary>
                       <m:r>
-                        <a:rPr lang="en-US" sz="2000" i="1"/>
+                        <a:rPr lang="en-US" sz="2000" i="1">
+                          <a:latin typeface="Cambria Math" panose="02040503050406030204" pitchFamily="18" charset="0"/>
+                        </a:rPr>
                         <m:t>+</m:t>
                       </m:r>
                       <m:nary>
@@ -18951,28 +19049,38 @@
                           <m:limLoc m:val="undOvr"/>
                           <m:supHide m:val="on"/>
                           <m:ctrlPr>
-                            <a:rPr lang="en-US" sz="2000" i="1"/>
+                            <a:rPr lang="en-US" sz="2000" i="1">
+                              <a:latin typeface="Cambria Math" panose="02040503050406030204" pitchFamily="18" charset="0"/>
+                            </a:rPr>
                           </m:ctrlPr>
                         </m:naryPr>
                         <m:sub>
                           <m:r>
-                            <a:rPr lang="en-US" sz="2000" i="1"/>
+                            <a:rPr lang="en-US" sz="2000" i="1">
+                              <a:latin typeface="Cambria Math" panose="02040503050406030204" pitchFamily="18" charset="0"/>
+                            </a:rPr>
                             <m:t>𝑓</m:t>
                           </m:r>
                           <m:r>
-                            <a:rPr lang="en-US" sz="2000" i="1"/>
+                            <a:rPr lang="en-US" sz="2000" i="1">
+                              <a:latin typeface="Cambria Math" panose="02040503050406030204" pitchFamily="18" charset="0"/>
+                            </a:rPr>
                             <m:t>,</m:t>
                           </m:r>
                           <m:acc>
                             <m:accPr>
                               <m:chr m:val="̅"/>
                               <m:ctrlPr>
-                                <a:rPr lang="en-US" sz="2000" i="1"/>
+                                <a:rPr lang="en-US" sz="2000" i="1">
+                                  <a:latin typeface="Cambria Math" panose="02040503050406030204" pitchFamily="18" charset="0"/>
+                                </a:rPr>
                               </m:ctrlPr>
                             </m:accPr>
                             <m:e>
                               <m:r>
-                                <a:rPr lang="en-US" sz="2000" i="1"/>
+                                <a:rPr lang="en-US" sz="2000" i="1">
+                                  <a:latin typeface="Cambria Math" panose="02040503050406030204" pitchFamily="18" charset="0"/>
+                                </a:rPr>
                                 <m:t>𝑓</m:t>
                               </m:r>
                             </m:e>
@@ -18981,19 +19089,27 @@
                         <m:sup/>
                         <m:e>
                           <m:r>
-                            <a:rPr lang="en-US" sz="2000" i="1"/>
+                            <a:rPr lang="en-US" sz="2000" i="1">
+                              <a:latin typeface="Cambria Math" panose="02040503050406030204" pitchFamily="18" charset="0"/>
+                            </a:rPr>
                             <m:t>𝑃</m:t>
                           </m:r>
                           <m:r>
-                            <a:rPr lang="en-US" sz="2000" i="1"/>
+                            <a:rPr lang="en-US" sz="2000" i="1">
+                              <a:latin typeface="Cambria Math" panose="02040503050406030204" pitchFamily="18" charset="0"/>
+                            </a:rPr>
                             <m:t>(</m:t>
                           </m:r>
                           <m:r>
-                            <a:rPr lang="en-US" sz="2000" i="1"/>
+                            <a:rPr lang="en-US" sz="2000" i="1">
+                              <a:latin typeface="Cambria Math" panose="02040503050406030204" pitchFamily="18" charset="0"/>
+                            </a:rPr>
                             <m:t>𝑓</m:t>
                           </m:r>
                           <m:r>
-                            <a:rPr lang="en-US" sz="2000" i="1"/>
+                            <a:rPr lang="en-US" sz="2000" i="1">
+                              <a:latin typeface="Cambria Math" panose="02040503050406030204" pitchFamily="18" charset="0"/>
+                            </a:rPr>
                             <m:t>)</m:t>
                           </m:r>
                         </m:e>
@@ -19003,119 +19119,165 @@
                           <m:chr m:val="∑"/>
                           <m:limLoc m:val="undOvr"/>
                           <m:ctrlPr>
-                            <a:rPr lang="en-US" sz="2000" i="1"/>
+                            <a:rPr lang="en-US" sz="2000" i="1">
+                              <a:latin typeface="Cambria Math" panose="02040503050406030204" pitchFamily="18" charset="0"/>
+                            </a:rPr>
                           </m:ctrlPr>
                         </m:naryPr>
                         <m:sub>
                           <m:r>
-                            <a:rPr lang="en-US" sz="2000" i="1"/>
+                            <a:rPr lang="en-US" sz="2000" i="1">
+                              <a:latin typeface="Cambria Math" panose="02040503050406030204" pitchFamily="18" charset="0"/>
+                            </a:rPr>
                             <m:t>𝑖</m:t>
                           </m:r>
                           <m:r>
-                            <a:rPr lang="en-US" sz="2000" i="1"/>
+                            <a:rPr lang="en-US" sz="2000" i="1">
+                              <a:latin typeface="Cambria Math" panose="02040503050406030204" pitchFamily="18" charset="0"/>
+                            </a:rPr>
                             <m:t>=</m:t>
                           </m:r>
                           <m:r>
-                            <a:rPr lang="en-US" sz="2000" i="1"/>
+                            <a:rPr lang="en-US" sz="2000" i="1">
+                              <a:latin typeface="Cambria Math" panose="02040503050406030204" pitchFamily="18" charset="0"/>
+                            </a:rPr>
                             <m:t>1</m:t>
                           </m:r>
                         </m:sub>
                         <m:sup>
                           <m:r>
-                            <a:rPr lang="en-US" sz="2000" i="1"/>
+                            <a:rPr lang="en-US" sz="2000" i="1">
+                              <a:latin typeface="Cambria Math" panose="02040503050406030204" pitchFamily="18" charset="0"/>
+                            </a:rPr>
                             <m:t>𝑚</m:t>
                           </m:r>
                         </m:sup>
                         <m:e>
                           <m:r>
-                            <a:rPr lang="en-US" sz="2000" i="1"/>
+                            <a:rPr lang="en-US" sz="2000" i="1">
+                              <a:latin typeface="Cambria Math" panose="02040503050406030204" pitchFamily="18" charset="0"/>
+                            </a:rPr>
                             <m:t>𝑃</m:t>
                           </m:r>
                           <m:r>
-                            <a:rPr lang="en-US" sz="2000" i="1"/>
+                            <a:rPr lang="en-US" sz="2000" i="1">
+                              <a:latin typeface="Cambria Math" panose="02040503050406030204" pitchFamily="18" charset="0"/>
+                            </a:rPr>
                             <m:t>(</m:t>
                           </m:r>
                           <m:sSub>
                             <m:sSubPr>
                               <m:ctrlPr>
-                                <a:rPr lang="en-US" sz="2000" i="1"/>
+                                <a:rPr lang="en-US" sz="2000" i="1">
+                                  <a:latin typeface="Cambria Math" panose="02040503050406030204" pitchFamily="18" charset="0"/>
+                                </a:rPr>
                               </m:ctrlPr>
                             </m:sSubPr>
                             <m:e>
                               <m:r>
-                                <a:rPr lang="en-US" sz="2000" i="1"/>
+                                <a:rPr lang="en-US" sz="2000" i="1">
+                                  <a:latin typeface="Cambria Math" panose="02040503050406030204" pitchFamily="18" charset="0"/>
+                                </a:rPr>
                                 <m:t>𝑐</m:t>
                               </m:r>
                             </m:e>
                             <m:sub>
                               <m:r>
-                                <a:rPr lang="en-US" sz="2000" i="1"/>
+                                <a:rPr lang="en-US" sz="2000" i="1">
+                                  <a:latin typeface="Cambria Math" panose="02040503050406030204" pitchFamily="18" charset="0"/>
+                                </a:rPr>
                                 <m:t>𝑖</m:t>
                               </m:r>
                             </m:sub>
                           </m:sSub>
                           <m:r>
-                            <a:rPr lang="en-US" sz="2000" i="1"/>
+                            <a:rPr lang="en-US" sz="2000" i="1">
+                              <a:latin typeface="Cambria Math" panose="02040503050406030204" pitchFamily="18" charset="0"/>
+                            </a:rPr>
                             <m:t>|</m:t>
                           </m:r>
                           <m:r>
-                            <a:rPr lang="en-US" sz="2000" i="1"/>
+                            <a:rPr lang="en-US" sz="2000" i="1">
+                              <a:latin typeface="Cambria Math" panose="02040503050406030204" pitchFamily="18" charset="0"/>
+                            </a:rPr>
                             <m:t>𝑓</m:t>
                           </m:r>
                           <m:r>
-                            <a:rPr lang="en-US" sz="2000" i="1"/>
+                            <a:rPr lang="en-US" sz="2000" i="1">
+                              <a:latin typeface="Cambria Math" panose="02040503050406030204" pitchFamily="18" charset="0"/>
+                            </a:rPr>
                             <m:t>)</m:t>
                           </m:r>
                           <m:func>
                             <m:funcPr>
                               <m:ctrlPr>
-                                <a:rPr lang="en-US" sz="2000" i="1"/>
+                                <a:rPr lang="en-US" sz="2000" i="1">
+                                  <a:latin typeface="Cambria Math" panose="02040503050406030204" pitchFamily="18" charset="0"/>
+                                </a:rPr>
                               </m:ctrlPr>
                             </m:funcPr>
                             <m:fName>
                               <m:r>
-                                <a:rPr lang="en-US" sz="2000" i="1"/>
+                                <a:rPr lang="en-US" sz="2000" i="1">
+                                  <a:latin typeface="Cambria Math" panose="02040503050406030204" pitchFamily="18" charset="0"/>
+                                </a:rPr>
                                 <m:t>𝑙𝑜𝑔</m:t>
                               </m:r>
                             </m:fName>
                             <m:e>
                               <m:r>
-                                <a:rPr lang="en-US" sz="2000" i="1"/>
+                                <a:rPr lang="en-US" sz="2000" i="1">
+                                  <a:latin typeface="Cambria Math" panose="02040503050406030204" pitchFamily="18" charset="0"/>
+                                </a:rPr>
                                 <m:t>𝑃</m:t>
                               </m:r>
                               <m:r>
-                                <a:rPr lang="en-US" sz="2000" i="1"/>
+                                <a:rPr lang="en-US" sz="2000" i="1">
+                                  <a:latin typeface="Cambria Math" panose="02040503050406030204" pitchFamily="18" charset="0"/>
+                                </a:rPr>
                                 <m:t>(</m:t>
                               </m:r>
                               <m:sSub>
                                 <m:sSubPr>
                                   <m:ctrlPr>
-                                    <a:rPr lang="en-US" sz="2000" i="1"/>
+                                    <a:rPr lang="en-US" sz="2000" i="1">
+                                      <a:latin typeface="Cambria Math" panose="02040503050406030204" pitchFamily="18" charset="0"/>
+                                    </a:rPr>
                                   </m:ctrlPr>
                                 </m:sSubPr>
                                 <m:e>
                                   <m:r>
-                                    <a:rPr lang="en-US" sz="2000" i="1"/>
+                                    <a:rPr lang="en-US" sz="2000" i="1">
+                                      <a:latin typeface="Cambria Math" panose="02040503050406030204" pitchFamily="18" charset="0"/>
+                                    </a:rPr>
                                     <m:t>𝑐</m:t>
                                   </m:r>
                                 </m:e>
                                 <m:sub>
                                   <m:r>
-                                    <a:rPr lang="en-US" sz="2000" i="1"/>
+                                    <a:rPr lang="en-US" sz="2000" i="1">
+                                      <a:latin typeface="Cambria Math" panose="02040503050406030204" pitchFamily="18" charset="0"/>
+                                    </a:rPr>
                                     <m:t>𝑖</m:t>
                                   </m:r>
                                 </m:sub>
                               </m:sSub>
                               <m:r>
-                                <a:rPr lang="en-US" sz="2000" i="1"/>
+                                <a:rPr lang="en-US" sz="2000" i="1">
+                                  <a:latin typeface="Cambria Math" panose="02040503050406030204" pitchFamily="18" charset="0"/>
+                                </a:rPr>
                                 <m:t>|</m:t>
                               </m:r>
                               <m:r>
-                                <a:rPr lang="en-US" sz="2000" i="1"/>
+                                <a:rPr lang="en-US" sz="2000" i="1">
+                                  <a:latin typeface="Cambria Math" panose="02040503050406030204" pitchFamily="18" charset="0"/>
+                                </a:rPr>
                                 <m:t>𝑓</m:t>
                               </m:r>
                               <m:r>
-                                <a:rPr lang="en-US" sz="2000" i="1"/>
+                                <a:rPr lang="en-US" sz="2000" i="1">
+                                  <a:latin typeface="Cambria Math" panose="02040503050406030204" pitchFamily="18" charset="0"/>
+                                </a:rPr>
                                 <m:t>)</m:t>
                               </m:r>
                             </m:e>
@@ -19139,7 +19301,7 @@
             </p:txBody>
           </p:sp>
         </mc:Choice>
-        <mc:Fallback>
+        <mc:Fallback xmlns="">
           <p:sp>
             <p:nvSpPr>
               <p:cNvPr id="2" name="Rectangle 1"/>
@@ -19255,8 +19417,8 @@
           </a:p>
         </p:txBody>
       </p:sp>
-      <mc:AlternateContent xmlns:mc="http://schemas.openxmlformats.org/markup-compatibility/2006">
-        <mc:Choice xmlns:a14="http://schemas.microsoft.com/office/drawing/2010/main" Requires="a14">
+      <mc:AlternateContent xmlns:mc="http://schemas.openxmlformats.org/markup-compatibility/2006" xmlns:a14="http://schemas.microsoft.com/office/drawing/2010/main">
+        <mc:Choice Requires="a14">
           <p:sp>
             <p:nvSpPr>
               <p:cNvPr id="2" name="Rectangle 1"/>
@@ -19286,11 +19448,15 @@
                 <a14:m>
                   <m:oMath xmlns:m="http://schemas.openxmlformats.org/officeDocument/2006/math">
                     <m:r>
-                      <a:rPr lang="en-US"/>
+                      <a:rPr lang="en-US">
+                        <a:latin typeface="Cambria Math" panose="02040503050406030204" pitchFamily="18" charset="0"/>
+                      </a:rPr>
                       <m:t> </m:t>
                     </m:r>
                     <m:r>
-                      <a:rPr lang="en-US" i="1"/>
+                      <a:rPr lang="en-US" i="1">
+                        <a:latin typeface="Cambria Math" panose="02040503050406030204" pitchFamily="18" charset="0"/>
+                      </a:rPr>
                       <m:t>−</m:t>
                     </m:r>
                     <m:nary>
@@ -19298,7 +19464,9 @@
                         <m:chr m:val="∑"/>
                         <m:limLoc m:val="undOvr"/>
                         <m:ctrlPr>
-                          <a:rPr lang="en-US" i="1"/>
+                          <a:rPr lang="en-US" i="1">
+                            <a:latin typeface="Cambria Math" panose="02040503050406030204" pitchFamily="18" charset="0"/>
+                          </a:rPr>
                         </m:ctrlPr>
                       </m:naryPr>
                       <m:sub>
@@ -19306,15 +19474,21 @@
                           <m:rPr>
                             <m:sty m:val="p"/>
                           </m:rPr>
-                          <a:rPr lang="en-US"/>
+                          <a:rPr lang="en-US">
+                            <a:latin typeface="Cambria Math" panose="02040503050406030204" pitchFamily="18" charset="0"/>
+                          </a:rPr>
                           <m:t>i</m:t>
                         </m:r>
                         <m:r>
-                          <a:rPr lang="en-US"/>
+                          <a:rPr lang="en-US">
+                            <a:latin typeface="Cambria Math" panose="02040503050406030204" pitchFamily="18" charset="0"/>
+                          </a:rPr>
                           <m:t>=</m:t>
                         </m:r>
                         <m:r>
-                          <a:rPr lang="en-US"/>
+                          <a:rPr lang="en-US">
+                            <a:latin typeface="Cambria Math" panose="02040503050406030204" pitchFamily="18" charset="0"/>
+                          </a:rPr>
                           <m:t>1</m:t>
                         </m:r>
                       </m:sub>
@@ -19323,7 +19497,9 @@
                           <m:rPr>
                             <m:sty m:val="p"/>
                           </m:rPr>
-                          <a:rPr lang="en-US"/>
+                          <a:rPr lang="en-US">
+                            <a:latin typeface="Cambria Math" panose="02040503050406030204" pitchFamily="18" charset="0"/>
+                          </a:rPr>
                           <m:t>m</m:t>
                         </m:r>
                       </m:sup>
@@ -19332,20 +19508,26 @@
                           <m:rPr>
                             <m:sty m:val="p"/>
                           </m:rPr>
-                          <a:rPr lang="en-US"/>
+                          <a:rPr lang="en-US">
+                            <a:latin typeface="Cambria Math" panose="02040503050406030204" pitchFamily="18" charset="0"/>
+                          </a:rPr>
                           <m:t>P</m:t>
                         </m:r>
                         <m:d>
                           <m:dPr>
                             <m:ctrlPr>
-                              <a:rPr lang="en-US" i="1"/>
+                              <a:rPr lang="en-US" i="1">
+                                <a:latin typeface="Cambria Math" panose="02040503050406030204" pitchFamily="18" charset="0"/>
+                              </a:rPr>
                             </m:ctrlPr>
                           </m:dPr>
                           <m:e>
                             <m:sSub>
                               <m:sSubPr>
                                 <m:ctrlPr>
-                                  <a:rPr lang="en-US" i="1"/>
+                                  <a:rPr lang="en-US" i="1">
+                                    <a:latin typeface="Cambria Math" panose="02040503050406030204" pitchFamily="18" charset="0"/>
+                                  </a:rPr>
                                 </m:ctrlPr>
                               </m:sSubPr>
                               <m:e>
@@ -19353,7 +19535,9 @@
                                   <m:rPr>
                                     <m:sty m:val="p"/>
                                   </m:rPr>
-                                  <a:rPr lang="en-US"/>
+                                  <a:rPr lang="en-US">
+                                    <a:latin typeface="Cambria Math" panose="02040503050406030204" pitchFamily="18" charset="0"/>
+                                  </a:rPr>
                                   <m:t>c</m:t>
                                 </m:r>
                               </m:e>
@@ -19362,7 +19546,9 @@
                                   <m:rPr>
                                     <m:sty m:val="p"/>
                                   </m:rPr>
-                                  <a:rPr lang="en-US"/>
+                                  <a:rPr lang="en-US">
+                                    <a:latin typeface="Cambria Math" panose="02040503050406030204" pitchFamily="18" charset="0"/>
+                                  </a:rPr>
                                   <m:t>i</m:t>
                                 </m:r>
                               </m:sub>
@@ -19372,7 +19558,9 @@
                         <m:func>
                           <m:funcPr>
                             <m:ctrlPr>
-                              <a:rPr lang="en-US" i="1"/>
+                              <a:rPr lang="en-US" i="1">
+                                <a:latin typeface="Cambria Math" panose="02040503050406030204" pitchFamily="18" charset="0"/>
+                              </a:rPr>
                             </m:ctrlPr>
                           </m:funcPr>
                           <m:fName>
@@ -19380,7 +19568,9 @@
                               <m:rPr>
                                 <m:sty m:val="p"/>
                               </m:rPr>
-                              <a:rPr lang="en-US"/>
+                              <a:rPr lang="en-US">
+                                <a:latin typeface="Cambria Math" panose="02040503050406030204" pitchFamily="18" charset="0"/>
+                              </a:rPr>
                               <m:t>log</m:t>
                             </m:r>
                           </m:fName>
@@ -19389,17 +19579,23 @@
                               <m:rPr>
                                 <m:sty m:val="p"/>
                               </m:rPr>
-                              <a:rPr lang="en-US"/>
+                              <a:rPr lang="en-US">
+                                <a:latin typeface="Cambria Math" panose="02040503050406030204" pitchFamily="18" charset="0"/>
+                              </a:rPr>
                               <m:t>P</m:t>
                             </m:r>
                             <m:r>
-                              <a:rPr lang="en-US"/>
+                              <a:rPr lang="en-US">
+                                <a:latin typeface="Cambria Math" panose="02040503050406030204" pitchFamily="18" charset="0"/>
+                              </a:rPr>
                               <m:t>(</m:t>
                             </m:r>
                             <m:sSub>
                               <m:sSubPr>
                                 <m:ctrlPr>
-                                  <a:rPr lang="en-US" i="1"/>
+                                  <a:rPr lang="en-US" i="1">
+                                    <a:latin typeface="Cambria Math" panose="02040503050406030204" pitchFamily="18" charset="0"/>
+                                  </a:rPr>
                                 </m:ctrlPr>
                               </m:sSubPr>
                               <m:e>
@@ -19407,7 +19603,9 @@
                                   <m:rPr>
                                     <m:sty m:val="p"/>
                                   </m:rPr>
-                                  <a:rPr lang="en-US"/>
+                                  <a:rPr lang="en-US">
+                                    <a:latin typeface="Cambria Math" panose="02040503050406030204" pitchFamily="18" charset="0"/>
+                                  </a:rPr>
                                   <m:t>c</m:t>
                                 </m:r>
                               </m:e>
@@ -19416,13 +19614,17 @@
                                   <m:rPr>
                                     <m:sty m:val="p"/>
                                   </m:rPr>
-                                  <a:rPr lang="en-US"/>
+                                  <a:rPr lang="en-US">
+                                    <a:latin typeface="Cambria Math" panose="02040503050406030204" pitchFamily="18" charset="0"/>
+                                  </a:rPr>
                                   <m:t>i</m:t>
                                 </m:r>
                               </m:sub>
                             </m:sSub>
                             <m:r>
-                              <a:rPr lang="en-US"/>
+                              <a:rPr lang="en-US">
+                                <a:latin typeface="Cambria Math" panose="02040503050406030204" pitchFamily="18" charset="0"/>
+                              </a:rPr>
                               <m:t>)</m:t>
                             </m:r>
                           </m:e>
@@ -19461,24 +19663,32 @@
                       <m:t> </m:t>
                     </m:r>
                     <m:r>
-                      <a:rPr lang="en-US" i="1"/>
+                      <a:rPr lang="en-US" i="1">
+                        <a:latin typeface="Cambria Math" panose="02040503050406030204" pitchFamily="18" charset="0"/>
+                      </a:rPr>
                       <m:t>𝐼𝐺</m:t>
                     </m:r>
                     <m:d>
                       <m:dPr>
                         <m:ctrlPr>
-                          <a:rPr lang="en-US" i="1"/>
+                          <a:rPr lang="en-US" i="1">
+                            <a:latin typeface="Cambria Math" panose="02040503050406030204" pitchFamily="18" charset="0"/>
+                          </a:rPr>
                         </m:ctrlPr>
                       </m:dPr>
                       <m:e>
                         <m:r>
-                          <a:rPr lang="en-US" i="1"/>
+                          <a:rPr lang="en-US" i="1">
+                            <a:latin typeface="Cambria Math" panose="02040503050406030204" pitchFamily="18" charset="0"/>
+                          </a:rPr>
                           <m:t>𝑓</m:t>
                         </m:r>
                       </m:e>
                     </m:d>
                     <m:r>
-                      <a:rPr lang="en-US" i="1"/>
+                      <a:rPr lang="en-US" i="1">
+                        <a:latin typeface="Cambria Math" panose="02040503050406030204" pitchFamily="18" charset="0"/>
+                      </a:rPr>
                       <m:t>=</m:t>
                     </m:r>
                     <m:nary>
@@ -19487,28 +19697,38 @@
                         <m:limLoc m:val="undOvr"/>
                         <m:supHide m:val="on"/>
                         <m:ctrlPr>
-                          <a:rPr lang="en-US" i="1"/>
+                          <a:rPr lang="en-US" i="1">
+                            <a:latin typeface="Cambria Math" panose="02040503050406030204" pitchFamily="18" charset="0"/>
+                          </a:rPr>
                         </m:ctrlPr>
                       </m:naryPr>
                       <m:sub>
                         <m:r>
-                          <a:rPr lang="en-US" i="1"/>
+                          <a:rPr lang="en-US" i="1">
+                            <a:latin typeface="Cambria Math" panose="02040503050406030204" pitchFamily="18" charset="0"/>
+                          </a:rPr>
                           <m:t>𝑓</m:t>
                         </m:r>
                         <m:r>
-                          <a:rPr lang="en-US" i="1"/>
+                          <a:rPr lang="en-US" i="1">
+                            <a:latin typeface="Cambria Math" panose="02040503050406030204" pitchFamily="18" charset="0"/>
+                          </a:rPr>
                           <m:t>,</m:t>
                         </m:r>
                         <m:acc>
                           <m:accPr>
                             <m:chr m:val="̅"/>
                             <m:ctrlPr>
-                              <a:rPr lang="en-US" i="1"/>
+                              <a:rPr lang="en-US" i="1">
+                                <a:latin typeface="Cambria Math" panose="02040503050406030204" pitchFamily="18" charset="0"/>
+                              </a:rPr>
                             </m:ctrlPr>
                           </m:accPr>
                           <m:e>
                             <m:r>
-                              <a:rPr lang="en-US" i="1"/>
+                              <a:rPr lang="en-US" i="1">
+                                <a:latin typeface="Cambria Math" panose="02040503050406030204" pitchFamily="18" charset="0"/>
+                              </a:rPr>
                               <m:t>𝑓</m:t>
                             </m:r>
                           </m:e>
@@ -19517,19 +19737,27 @@
                       <m:sup/>
                       <m:e>
                         <m:r>
-                          <a:rPr lang="en-US" i="1"/>
+                          <a:rPr lang="en-US" i="1">
+                            <a:latin typeface="Cambria Math" panose="02040503050406030204" pitchFamily="18" charset="0"/>
+                          </a:rPr>
                           <m:t>𝑃</m:t>
                         </m:r>
                         <m:r>
-                          <a:rPr lang="en-US" i="1"/>
+                          <a:rPr lang="en-US" i="1">
+                            <a:latin typeface="Cambria Math" panose="02040503050406030204" pitchFamily="18" charset="0"/>
+                          </a:rPr>
                           <m:t>(</m:t>
                         </m:r>
                         <m:r>
-                          <a:rPr lang="en-US" i="1"/>
+                          <a:rPr lang="en-US" i="1">
+                            <a:latin typeface="Cambria Math" panose="02040503050406030204" pitchFamily="18" charset="0"/>
+                          </a:rPr>
                           <m:t>𝑓</m:t>
                         </m:r>
                         <m:r>
-                          <a:rPr lang="en-US" i="1"/>
+                          <a:rPr lang="en-US" i="1">
+                            <a:latin typeface="Cambria Math" panose="02040503050406030204" pitchFamily="18" charset="0"/>
+                          </a:rPr>
                           <m:t>)</m:t>
                         </m:r>
                       </m:e>
@@ -19539,119 +19767,165 @@
                         <m:chr m:val="∑"/>
                         <m:limLoc m:val="undOvr"/>
                         <m:ctrlPr>
-                          <a:rPr lang="en-US" i="1"/>
+                          <a:rPr lang="en-US" i="1">
+                            <a:latin typeface="Cambria Math" panose="02040503050406030204" pitchFamily="18" charset="0"/>
+                          </a:rPr>
                         </m:ctrlPr>
                       </m:naryPr>
                       <m:sub>
                         <m:r>
-                          <a:rPr lang="en-US" i="1"/>
+                          <a:rPr lang="en-US" i="1">
+                            <a:latin typeface="Cambria Math" panose="02040503050406030204" pitchFamily="18" charset="0"/>
+                          </a:rPr>
                           <m:t>𝑖</m:t>
                         </m:r>
                         <m:r>
-                          <a:rPr lang="en-US" i="1"/>
+                          <a:rPr lang="en-US" i="1">
+                            <a:latin typeface="Cambria Math" panose="02040503050406030204" pitchFamily="18" charset="0"/>
+                          </a:rPr>
                           <m:t>=</m:t>
                         </m:r>
                         <m:r>
-                          <a:rPr lang="en-US" i="1"/>
+                          <a:rPr lang="en-US" i="1">
+                            <a:latin typeface="Cambria Math" panose="02040503050406030204" pitchFamily="18" charset="0"/>
+                          </a:rPr>
                           <m:t>1</m:t>
                         </m:r>
                       </m:sub>
                       <m:sup>
                         <m:r>
-                          <a:rPr lang="en-US" i="1"/>
+                          <a:rPr lang="en-US" i="1">
+                            <a:latin typeface="Cambria Math" panose="02040503050406030204" pitchFamily="18" charset="0"/>
+                          </a:rPr>
                           <m:t>𝑚</m:t>
                         </m:r>
                       </m:sup>
                       <m:e>
                         <m:r>
-                          <a:rPr lang="en-US" i="1"/>
+                          <a:rPr lang="en-US" i="1">
+                            <a:latin typeface="Cambria Math" panose="02040503050406030204" pitchFamily="18" charset="0"/>
+                          </a:rPr>
                           <m:t>𝑃</m:t>
                         </m:r>
                         <m:r>
-                          <a:rPr lang="en-US" i="1"/>
+                          <a:rPr lang="en-US" i="1">
+                            <a:latin typeface="Cambria Math" panose="02040503050406030204" pitchFamily="18" charset="0"/>
+                          </a:rPr>
                           <m:t>(</m:t>
                         </m:r>
                         <m:sSub>
                           <m:sSubPr>
                             <m:ctrlPr>
-                              <a:rPr lang="en-US" i="1"/>
+                              <a:rPr lang="en-US" i="1">
+                                <a:latin typeface="Cambria Math" panose="02040503050406030204" pitchFamily="18" charset="0"/>
+                              </a:rPr>
                             </m:ctrlPr>
                           </m:sSubPr>
                           <m:e>
                             <m:r>
-                              <a:rPr lang="en-US" i="1"/>
+                              <a:rPr lang="en-US" i="1">
+                                <a:latin typeface="Cambria Math" panose="02040503050406030204" pitchFamily="18" charset="0"/>
+                              </a:rPr>
                               <m:t>𝑐</m:t>
                             </m:r>
                           </m:e>
                           <m:sub>
                             <m:r>
-                              <a:rPr lang="en-US" i="1"/>
+                              <a:rPr lang="en-US" i="1">
+                                <a:latin typeface="Cambria Math" panose="02040503050406030204" pitchFamily="18" charset="0"/>
+                              </a:rPr>
                               <m:t>𝑖</m:t>
                             </m:r>
                           </m:sub>
                         </m:sSub>
                         <m:r>
-                          <a:rPr lang="en-US" i="1"/>
+                          <a:rPr lang="en-US" i="1">
+                            <a:latin typeface="Cambria Math" panose="02040503050406030204" pitchFamily="18" charset="0"/>
+                          </a:rPr>
                           <m:t>|</m:t>
                         </m:r>
                         <m:r>
-                          <a:rPr lang="en-US" i="1"/>
+                          <a:rPr lang="en-US" i="1">
+                            <a:latin typeface="Cambria Math" panose="02040503050406030204" pitchFamily="18" charset="0"/>
+                          </a:rPr>
                           <m:t>𝑓</m:t>
                         </m:r>
                         <m:r>
-                          <a:rPr lang="en-US" i="1"/>
+                          <a:rPr lang="en-US" i="1">
+                            <a:latin typeface="Cambria Math" panose="02040503050406030204" pitchFamily="18" charset="0"/>
+                          </a:rPr>
                           <m:t>)</m:t>
                         </m:r>
                         <m:func>
                           <m:funcPr>
                             <m:ctrlPr>
-                              <a:rPr lang="en-US" i="1"/>
+                              <a:rPr lang="en-US" i="1">
+                                <a:latin typeface="Cambria Math" panose="02040503050406030204" pitchFamily="18" charset="0"/>
+                              </a:rPr>
                             </m:ctrlPr>
                           </m:funcPr>
                           <m:fName>
                             <m:r>
-                              <a:rPr lang="en-US" i="1"/>
+                              <a:rPr lang="en-US" i="1">
+                                <a:latin typeface="Cambria Math" panose="02040503050406030204" pitchFamily="18" charset="0"/>
+                              </a:rPr>
                               <m:t>𝑙𝑜𝑔</m:t>
                             </m:r>
                           </m:fName>
                           <m:e>
                             <m:r>
-                              <a:rPr lang="en-US" i="1"/>
+                              <a:rPr lang="en-US" i="1">
+                                <a:latin typeface="Cambria Math" panose="02040503050406030204" pitchFamily="18" charset="0"/>
+                              </a:rPr>
                               <m:t>𝑃</m:t>
                             </m:r>
                             <m:r>
-                              <a:rPr lang="en-US" i="1"/>
+                              <a:rPr lang="en-US" i="1">
+                                <a:latin typeface="Cambria Math" panose="02040503050406030204" pitchFamily="18" charset="0"/>
+                              </a:rPr>
                               <m:t>(</m:t>
                             </m:r>
                             <m:sSub>
                               <m:sSubPr>
                                 <m:ctrlPr>
-                                  <a:rPr lang="en-US" i="1"/>
+                                  <a:rPr lang="en-US" i="1">
+                                    <a:latin typeface="Cambria Math" panose="02040503050406030204" pitchFamily="18" charset="0"/>
+                                  </a:rPr>
                                 </m:ctrlPr>
                               </m:sSubPr>
                               <m:e>
                                 <m:r>
-                                  <a:rPr lang="en-US" i="1"/>
+                                  <a:rPr lang="en-US" i="1">
+                                    <a:latin typeface="Cambria Math" panose="02040503050406030204" pitchFamily="18" charset="0"/>
+                                  </a:rPr>
                                   <m:t>𝑐</m:t>
                                 </m:r>
                               </m:e>
                               <m:sub>
                                 <m:r>
-                                  <a:rPr lang="en-US" i="1"/>
+                                  <a:rPr lang="en-US" i="1">
+                                    <a:latin typeface="Cambria Math" panose="02040503050406030204" pitchFamily="18" charset="0"/>
+                                  </a:rPr>
                                   <m:t>𝑖</m:t>
                                 </m:r>
                               </m:sub>
                             </m:sSub>
                             <m:r>
-                              <a:rPr lang="en-US" i="1"/>
+                              <a:rPr lang="en-US" i="1">
+                                <a:latin typeface="Cambria Math" panose="02040503050406030204" pitchFamily="18" charset="0"/>
+                              </a:rPr>
                               <m:t>|</m:t>
                             </m:r>
                             <m:r>
-                              <a:rPr lang="en-US" i="1"/>
+                              <a:rPr lang="en-US" i="1">
+                                <a:latin typeface="Cambria Math" panose="02040503050406030204" pitchFamily="18" charset="0"/>
+                              </a:rPr>
                               <m:t>𝑓</m:t>
                             </m:r>
                             <m:r>
-                              <a:rPr lang="en-US" i="1"/>
+                              <a:rPr lang="en-US" i="1">
+                                <a:latin typeface="Cambria Math" panose="02040503050406030204" pitchFamily="18" charset="0"/>
+                              </a:rPr>
                               <m:t>)</m:t>
                             </m:r>
                           </m:e>
@@ -19684,62 +19958,84 @@
                     </m:oMathParaPr>
                     <m:oMath xmlns:m="http://schemas.openxmlformats.org/officeDocument/2006/math">
                       <m:r>
-                        <a:rPr lang="en-US" sz="1600" i="1"/>
+                        <a:rPr lang="en-US" sz="1600" i="1">
+                          <a:latin typeface="Cambria Math" panose="02040503050406030204" pitchFamily="18" charset="0"/>
+                        </a:rPr>
                         <m:t>𝐼𝐺</m:t>
                       </m:r>
                       <m:d>
                         <m:dPr>
                           <m:ctrlPr>
-                            <a:rPr lang="en-US" sz="1600" i="1"/>
+                            <a:rPr lang="en-US" sz="1600" i="1">
+                              <a:latin typeface="Cambria Math" panose="02040503050406030204" pitchFamily="18" charset="0"/>
+                            </a:rPr>
                           </m:ctrlPr>
                         </m:dPr>
                         <m:e>
                           <m:r>
-                            <a:rPr lang="en-US" sz="1600" i="1"/>
+                            <a:rPr lang="en-US" sz="1600" i="1">
+                              <a:latin typeface="Cambria Math" panose="02040503050406030204" pitchFamily="18" charset="0"/>
+                            </a:rPr>
                             <m:t>𝑓</m:t>
                           </m:r>
                         </m:e>
                       </m:d>
                       <m:r>
-                        <a:rPr lang="en-US" sz="1600" i="1"/>
+                        <a:rPr lang="en-US" sz="1600" i="1">
+                          <a:latin typeface="Cambria Math" panose="02040503050406030204" pitchFamily="18" charset="0"/>
+                        </a:rPr>
                         <m:t>=</m:t>
                       </m:r>
                       <m:r>
-                        <a:rPr lang="en-US" sz="1600" i="1"/>
+                        <a:rPr lang="en-US" sz="1600" i="1">
+                          <a:latin typeface="Cambria Math" panose="02040503050406030204" pitchFamily="18" charset="0"/>
+                        </a:rPr>
                         <m:t>𝑃</m:t>
                       </m:r>
                       <m:d>
                         <m:dPr>
                           <m:ctrlPr>
-                            <a:rPr lang="en-US" sz="1600" i="1"/>
+                            <a:rPr lang="en-US" sz="1600" i="1">
+                              <a:latin typeface="Cambria Math" panose="02040503050406030204" pitchFamily="18" charset="0"/>
+                            </a:rPr>
                           </m:ctrlPr>
                         </m:dPr>
                         <m:e>
                           <m:r>
-                            <a:rPr lang="en-US" sz="1600" i="1"/>
+                            <a:rPr lang="en-US" sz="1600" i="1">
+                              <a:latin typeface="Cambria Math" panose="02040503050406030204" pitchFamily="18" charset="0"/>
+                            </a:rPr>
                             <m:t>𝑓</m:t>
                           </m:r>
                         </m:e>
                       </m:d>
                       <m:r>
-                        <a:rPr lang="en-US" sz="1600" i="1"/>
+                        <a:rPr lang="en-US" sz="1600" i="1">
+                          <a:latin typeface="Cambria Math" panose="02040503050406030204" pitchFamily="18" charset="0"/>
+                        </a:rPr>
                         <m:t>𝑃</m:t>
                       </m:r>
                       <m:d>
                         <m:dPr>
                           <m:ctrlPr>
-                            <a:rPr lang="en-US" sz="1600" i="1"/>
+                            <a:rPr lang="en-US" sz="1600" i="1">
+                              <a:latin typeface="Cambria Math" panose="02040503050406030204" pitchFamily="18" charset="0"/>
+                            </a:rPr>
                           </m:ctrlPr>
                         </m:dPr>
                         <m:e>
                           <m:r>
-                            <a:rPr lang="en-US" sz="1600" i="1"/>
+                            <a:rPr lang="en-US" sz="1600" i="1">
+                              <a:latin typeface="Cambria Math" panose="02040503050406030204" pitchFamily="18" charset="0"/>
+                            </a:rPr>
                             <m:t>+</m:t>
                           </m:r>
                         </m:e>
                         <m:e>
                           <m:r>
-                            <a:rPr lang="en-US" sz="1600" i="1"/>
+                            <a:rPr lang="en-US" sz="1600" i="1">
+                              <a:latin typeface="Cambria Math" panose="02040503050406030204" pitchFamily="18" charset="0"/>
+                            </a:rPr>
                             <m:t>𝑓</m:t>
                           </m:r>
                         </m:e>
@@ -19747,35 +20043,47 @@
                       <m:func>
                         <m:funcPr>
                           <m:ctrlPr>
-                            <a:rPr lang="en-US" sz="1600" i="1"/>
+                            <a:rPr lang="en-US" sz="1600" i="1">
+                              <a:latin typeface="Cambria Math" panose="02040503050406030204" pitchFamily="18" charset="0"/>
+                            </a:rPr>
                           </m:ctrlPr>
                         </m:funcPr>
                         <m:fName>
                           <m:r>
-                            <a:rPr lang="en-US" sz="1600" i="1"/>
+                            <a:rPr lang="en-US" sz="1600" i="1">
+                              <a:latin typeface="Cambria Math" panose="02040503050406030204" pitchFamily="18" charset="0"/>
+                            </a:rPr>
                             <m:t>𝑙𝑜𝑔</m:t>
                           </m:r>
                         </m:fName>
                         <m:e>
                           <m:r>
-                            <a:rPr lang="en-US" sz="1600" i="1"/>
+                            <a:rPr lang="en-US" sz="1600" i="1">
+                              <a:latin typeface="Cambria Math" panose="02040503050406030204" pitchFamily="18" charset="0"/>
+                            </a:rPr>
                             <m:t>𝑃</m:t>
                           </m:r>
                           <m:d>
                             <m:dPr>
                               <m:ctrlPr>
-                                <a:rPr lang="en-US" sz="1600" i="1"/>
+                                <a:rPr lang="en-US" sz="1600" i="1">
+                                  <a:latin typeface="Cambria Math" panose="02040503050406030204" pitchFamily="18" charset="0"/>
+                                </a:rPr>
                               </m:ctrlPr>
                             </m:dPr>
                             <m:e>
                               <m:r>
-                                <a:rPr lang="en-US" sz="1600" i="1"/>
+                                <a:rPr lang="en-US" sz="1600" i="1">
+                                  <a:latin typeface="Cambria Math" panose="02040503050406030204" pitchFamily="18" charset="0"/>
+                                </a:rPr>
                                 <m:t>+</m:t>
                               </m:r>
                             </m:e>
                             <m:e>
                               <m:r>
-                                <a:rPr lang="en-US" sz="1600" i="1"/>
+                                <a:rPr lang="en-US" sz="1600" i="1">
+                                  <a:latin typeface="Cambria Math" panose="02040503050406030204" pitchFamily="18" charset="0"/>
+                                </a:rPr>
                                 <m:t>𝑓</m:t>
                               </m:r>
                             </m:e>
@@ -19783,45 +20091,61 @@
                         </m:e>
                       </m:func>
                       <m:r>
-                        <a:rPr lang="en-US" sz="1600" i="1"/>
+                        <a:rPr lang="en-US" sz="1600" i="1">
+                          <a:latin typeface="Cambria Math" panose="02040503050406030204" pitchFamily="18" charset="0"/>
+                        </a:rPr>
                         <m:t>+</m:t>
                       </m:r>
                       <m:r>
-                        <a:rPr lang="en-US" sz="1600" i="1"/>
+                        <a:rPr lang="en-US" sz="1600" i="1">
+                          <a:latin typeface="Cambria Math" panose="02040503050406030204" pitchFamily="18" charset="0"/>
+                        </a:rPr>
                         <m:t>𝑃</m:t>
                       </m:r>
                       <m:d>
                         <m:dPr>
                           <m:ctrlPr>
-                            <a:rPr lang="en-US" sz="1600" i="1"/>
+                            <a:rPr lang="en-US" sz="1600" i="1">
+                              <a:latin typeface="Cambria Math" panose="02040503050406030204" pitchFamily="18" charset="0"/>
+                            </a:rPr>
                           </m:ctrlPr>
                         </m:dPr>
                         <m:e>
                           <m:r>
-                            <a:rPr lang="en-US" sz="1600" i="1"/>
+                            <a:rPr lang="en-US" sz="1600" i="1">
+                              <a:latin typeface="Cambria Math" panose="02040503050406030204" pitchFamily="18" charset="0"/>
+                            </a:rPr>
                             <m:t>𝑓</m:t>
                           </m:r>
                         </m:e>
                       </m:d>
                       <m:r>
-                        <a:rPr lang="en-US" sz="1600" i="1"/>
+                        <a:rPr lang="en-US" sz="1600" i="1">
+                          <a:latin typeface="Cambria Math" panose="02040503050406030204" pitchFamily="18" charset="0"/>
+                        </a:rPr>
                         <m:t>𝑃</m:t>
                       </m:r>
                       <m:d>
                         <m:dPr>
                           <m:ctrlPr>
-                            <a:rPr lang="en-US" sz="1600" i="1"/>
+                            <a:rPr lang="en-US" sz="1600" i="1">
+                              <a:latin typeface="Cambria Math" panose="02040503050406030204" pitchFamily="18" charset="0"/>
+                            </a:rPr>
                           </m:ctrlPr>
                         </m:dPr>
                         <m:e>
                           <m:r>
-                            <a:rPr lang="en-US" sz="1600" i="1"/>
+                            <a:rPr lang="en-US" sz="1600" i="1">
+                              <a:latin typeface="Cambria Math" panose="02040503050406030204" pitchFamily="18" charset="0"/>
+                            </a:rPr>
                             <m:t>−</m:t>
                           </m:r>
                         </m:e>
                         <m:e>
                           <m:r>
-                            <a:rPr lang="en-US" sz="1600" i="1"/>
+                            <a:rPr lang="en-US" sz="1600" i="1">
+                              <a:latin typeface="Cambria Math" panose="02040503050406030204" pitchFamily="18" charset="0"/>
+                            </a:rPr>
                             <m:t>𝑓</m:t>
                           </m:r>
                         </m:e>
@@ -19829,35 +20153,47 @@
                       <m:func>
                         <m:funcPr>
                           <m:ctrlPr>
-                            <a:rPr lang="en-US" sz="1600" i="1"/>
+                            <a:rPr lang="en-US" sz="1600" i="1">
+                              <a:latin typeface="Cambria Math" panose="02040503050406030204" pitchFamily="18" charset="0"/>
+                            </a:rPr>
                           </m:ctrlPr>
                         </m:funcPr>
                         <m:fName>
                           <m:r>
-                            <a:rPr lang="en-US" sz="1600" i="1"/>
+                            <a:rPr lang="en-US" sz="1600" i="1">
+                              <a:latin typeface="Cambria Math" panose="02040503050406030204" pitchFamily="18" charset="0"/>
+                            </a:rPr>
                             <m:t>𝑙𝑜𝑔</m:t>
                           </m:r>
                         </m:fName>
                         <m:e>
                           <m:r>
-                            <a:rPr lang="en-US" sz="1600" i="1"/>
+                            <a:rPr lang="en-US" sz="1600" i="1">
+                              <a:latin typeface="Cambria Math" panose="02040503050406030204" pitchFamily="18" charset="0"/>
+                            </a:rPr>
                             <m:t>𝑃</m:t>
                           </m:r>
                           <m:d>
                             <m:dPr>
                               <m:ctrlPr>
-                                <a:rPr lang="en-US" sz="1600" i="1"/>
+                                <a:rPr lang="en-US" sz="1600" i="1">
+                                  <a:latin typeface="Cambria Math" panose="02040503050406030204" pitchFamily="18" charset="0"/>
+                                </a:rPr>
                               </m:ctrlPr>
                             </m:dPr>
                             <m:e>
                               <m:r>
-                                <a:rPr lang="en-US" sz="1600" i="1"/>
+                                <a:rPr lang="en-US" sz="1600" i="1">
+                                  <a:latin typeface="Cambria Math" panose="02040503050406030204" pitchFamily="18" charset="0"/>
+                                </a:rPr>
                                 <m:t>−</m:t>
                               </m:r>
                             </m:e>
                             <m:e>
                               <m:r>
-                                <a:rPr lang="en-US" sz="1600" i="1"/>
+                                <a:rPr lang="en-US" sz="1600" i="1">
+                                  <a:latin typeface="Cambria Math" panose="02040503050406030204" pitchFamily="18" charset="0"/>
+                                </a:rPr>
                                 <m:t>𝑓</m:t>
                               </m:r>
                             </m:e>
@@ -19865,17 +20201,23 @@
                         </m:e>
                       </m:func>
                       <m:r>
-                        <a:rPr lang="en-US" sz="1600" i="1"/>
+                        <a:rPr lang="en-US" sz="1600" i="1">
+                          <a:latin typeface="Cambria Math" panose="02040503050406030204" pitchFamily="18" charset="0"/>
+                        </a:rPr>
                         <m:t>+ </m:t>
                       </m:r>
                       <m:r>
-                        <a:rPr lang="en-US" sz="1600" i="1"/>
+                        <a:rPr lang="en-US" sz="1600" i="1">
+                          <a:latin typeface="Cambria Math" panose="02040503050406030204" pitchFamily="18" charset="0"/>
+                        </a:rPr>
                         <m:t>𝑃</m:t>
                       </m:r>
                       <m:d>
                         <m:dPr>
                           <m:ctrlPr>
-                            <a:rPr lang="en-US" sz="1600" i="1"/>
+                            <a:rPr lang="en-US" sz="1600" i="1">
+                              <a:latin typeface="Cambria Math" panose="02040503050406030204" pitchFamily="18" charset="0"/>
+                            </a:rPr>
                           </m:ctrlPr>
                         </m:dPr>
                         <m:e>
@@ -19883,12 +20225,16 @@
                             <m:accPr>
                               <m:chr m:val="̅"/>
                               <m:ctrlPr>
-                                <a:rPr lang="en-US" sz="1600" i="1"/>
+                                <a:rPr lang="en-US" sz="1600" i="1">
+                                  <a:latin typeface="Cambria Math" panose="02040503050406030204" pitchFamily="18" charset="0"/>
+                                </a:rPr>
                               </m:ctrlPr>
                             </m:accPr>
                             <m:e>
                               <m:r>
-                                <a:rPr lang="en-US" sz="1600" i="1"/>
+                                <a:rPr lang="en-US" sz="1600" i="1">
+                                  <a:latin typeface="Cambria Math" panose="02040503050406030204" pitchFamily="18" charset="0"/>
+                                </a:rPr>
                                 <m:t>𝑓</m:t>
                               </m:r>
                             </m:e>
@@ -19896,18 +20242,24 @@
                         </m:e>
                       </m:d>
                       <m:r>
-                        <a:rPr lang="en-US" sz="1600" i="1"/>
+                        <a:rPr lang="en-US" sz="1600" i="1">
+                          <a:latin typeface="Cambria Math" panose="02040503050406030204" pitchFamily="18" charset="0"/>
+                        </a:rPr>
                         <m:t>𝑃</m:t>
                       </m:r>
                       <m:d>
                         <m:dPr>
                           <m:ctrlPr>
-                            <a:rPr lang="en-US" sz="1600" i="1"/>
+                            <a:rPr lang="en-US" sz="1600" i="1">
+                              <a:latin typeface="Cambria Math" panose="02040503050406030204" pitchFamily="18" charset="0"/>
+                            </a:rPr>
                           </m:ctrlPr>
                         </m:dPr>
                         <m:e>
                           <m:r>
-                            <a:rPr lang="en-US" sz="1600" i="1"/>
+                            <a:rPr lang="en-US" sz="1600" i="1">
+                              <a:latin typeface="Cambria Math" panose="02040503050406030204" pitchFamily="18" charset="0"/>
+                            </a:rPr>
                             <m:t>+</m:t>
                           </m:r>
                         </m:e>
@@ -19916,12 +20268,16 @@
                             <m:accPr>
                               <m:chr m:val="̅"/>
                               <m:ctrlPr>
-                                <a:rPr lang="en-US" sz="1600" i="1"/>
+                                <a:rPr lang="en-US" sz="1600" i="1">
+                                  <a:latin typeface="Cambria Math" panose="02040503050406030204" pitchFamily="18" charset="0"/>
+                                </a:rPr>
                               </m:ctrlPr>
                             </m:accPr>
                             <m:e>
                               <m:r>
-                                <a:rPr lang="en-US" sz="1600" i="1"/>
+                                <a:rPr lang="en-US" sz="1600" i="1">
+                                  <a:latin typeface="Cambria Math" panose="02040503050406030204" pitchFamily="18" charset="0"/>
+                                </a:rPr>
                                 <m:t>𝑓</m:t>
                               </m:r>
                             </m:e>
@@ -19931,29 +20287,39 @@
                       <m:func>
                         <m:funcPr>
                           <m:ctrlPr>
-                            <a:rPr lang="en-US" sz="1600" i="1"/>
+                            <a:rPr lang="en-US" sz="1600" i="1">
+                              <a:latin typeface="Cambria Math" panose="02040503050406030204" pitchFamily="18" charset="0"/>
+                            </a:rPr>
                           </m:ctrlPr>
                         </m:funcPr>
                         <m:fName>
                           <m:r>
-                            <a:rPr lang="en-US" sz="1600" i="1"/>
+                            <a:rPr lang="en-US" sz="1600" i="1">
+                              <a:latin typeface="Cambria Math" panose="02040503050406030204" pitchFamily="18" charset="0"/>
+                            </a:rPr>
                             <m:t>𝑙𝑜𝑔</m:t>
                           </m:r>
                         </m:fName>
                         <m:e>
                           <m:r>
-                            <a:rPr lang="en-US" sz="1600" i="1"/>
+                            <a:rPr lang="en-US" sz="1600" i="1">
+                              <a:latin typeface="Cambria Math" panose="02040503050406030204" pitchFamily="18" charset="0"/>
+                            </a:rPr>
                             <m:t>𝑃</m:t>
                           </m:r>
                           <m:d>
                             <m:dPr>
                               <m:ctrlPr>
-                                <a:rPr lang="en-US" sz="1600" i="1"/>
+                                <a:rPr lang="en-US" sz="1600" i="1">
+                                  <a:latin typeface="Cambria Math" panose="02040503050406030204" pitchFamily="18" charset="0"/>
+                                </a:rPr>
                               </m:ctrlPr>
                             </m:dPr>
                             <m:e>
                               <m:r>
-                                <a:rPr lang="en-US" sz="1600" i="1"/>
+                                <a:rPr lang="en-US" sz="1600" i="1">
+                                  <a:latin typeface="Cambria Math" panose="02040503050406030204" pitchFamily="18" charset="0"/>
+                                </a:rPr>
                                 <m:t>+</m:t>
                               </m:r>
                             </m:e>
@@ -19962,12 +20328,16 @@
                                 <m:accPr>
                                   <m:chr m:val="̅"/>
                                   <m:ctrlPr>
-                                    <a:rPr lang="en-US" sz="1600" i="1"/>
+                                    <a:rPr lang="en-US" sz="1600" i="1">
+                                      <a:latin typeface="Cambria Math" panose="02040503050406030204" pitchFamily="18" charset="0"/>
+                                    </a:rPr>
                                   </m:ctrlPr>
                                 </m:accPr>
                                 <m:e>
                                   <m:r>
-                                    <a:rPr lang="en-US" sz="1600" i="1"/>
+                                    <a:rPr lang="en-US" sz="1600" i="1">
+                                      <a:latin typeface="Cambria Math" panose="02040503050406030204" pitchFamily="18" charset="0"/>
+                                    </a:rPr>
                                     <m:t>𝑓</m:t>
                                   </m:r>
                                 </m:e>
@@ -19977,17 +20347,23 @@
                         </m:e>
                       </m:func>
                       <m:r>
-                        <a:rPr lang="en-US" sz="1600" i="1"/>
+                        <a:rPr lang="en-US" sz="1600" i="1">
+                          <a:latin typeface="Cambria Math" panose="02040503050406030204" pitchFamily="18" charset="0"/>
+                        </a:rPr>
                         <m:t>+ </m:t>
                       </m:r>
                       <m:r>
-                        <a:rPr lang="en-US" sz="1600" i="1"/>
+                        <a:rPr lang="en-US" sz="1600" i="1">
+                          <a:latin typeface="Cambria Math" panose="02040503050406030204" pitchFamily="18" charset="0"/>
+                        </a:rPr>
                         <m:t>𝑃</m:t>
                       </m:r>
                       <m:d>
                         <m:dPr>
                           <m:ctrlPr>
-                            <a:rPr lang="en-US" sz="1600" i="1"/>
+                            <a:rPr lang="en-US" sz="1600" i="1">
+                              <a:latin typeface="Cambria Math" panose="02040503050406030204" pitchFamily="18" charset="0"/>
+                            </a:rPr>
                           </m:ctrlPr>
                         </m:dPr>
                         <m:e>
@@ -19995,12 +20371,16 @@
                             <m:accPr>
                               <m:chr m:val="̅"/>
                               <m:ctrlPr>
-                                <a:rPr lang="en-US" sz="1600" i="1"/>
+                                <a:rPr lang="en-US" sz="1600" i="1">
+                                  <a:latin typeface="Cambria Math" panose="02040503050406030204" pitchFamily="18" charset="0"/>
+                                </a:rPr>
                               </m:ctrlPr>
                             </m:accPr>
                             <m:e>
                               <m:r>
-                                <a:rPr lang="en-US" sz="1600" i="1"/>
+                                <a:rPr lang="en-US" sz="1600" i="1">
+                                  <a:latin typeface="Cambria Math" panose="02040503050406030204" pitchFamily="18" charset="0"/>
+                                </a:rPr>
                                 <m:t>𝑓</m:t>
                               </m:r>
                             </m:e>
@@ -20008,18 +20388,24 @@
                         </m:e>
                       </m:d>
                       <m:r>
-                        <a:rPr lang="en-US" sz="1600" i="1"/>
+                        <a:rPr lang="en-US" sz="1600" i="1">
+                          <a:latin typeface="Cambria Math" panose="02040503050406030204" pitchFamily="18" charset="0"/>
+                        </a:rPr>
                         <m:t>𝑃</m:t>
                       </m:r>
                       <m:d>
                         <m:dPr>
                           <m:ctrlPr>
-                            <a:rPr lang="en-US" sz="1600" i="1"/>
+                            <a:rPr lang="en-US" sz="1600" i="1">
+                              <a:latin typeface="Cambria Math" panose="02040503050406030204" pitchFamily="18" charset="0"/>
+                            </a:rPr>
                           </m:ctrlPr>
                         </m:dPr>
                         <m:e>
                           <m:r>
-                            <a:rPr lang="en-US" sz="1600" i="1"/>
+                            <a:rPr lang="en-US" sz="1600" i="1">
+                              <a:latin typeface="Cambria Math" panose="02040503050406030204" pitchFamily="18" charset="0"/>
+                            </a:rPr>
                             <m:t>−</m:t>
                           </m:r>
                         </m:e>
@@ -20028,12 +20414,16 @@
                             <m:accPr>
                               <m:chr m:val="̅"/>
                               <m:ctrlPr>
-                                <a:rPr lang="en-US" sz="1600" i="1"/>
+                                <a:rPr lang="en-US" sz="1600" i="1">
+                                  <a:latin typeface="Cambria Math" panose="02040503050406030204" pitchFamily="18" charset="0"/>
+                                </a:rPr>
                               </m:ctrlPr>
                             </m:accPr>
                             <m:e>
                               <m:r>
-                                <a:rPr lang="en-US" sz="1600" i="1"/>
+                                <a:rPr lang="en-US" sz="1600" i="1">
+                                  <a:latin typeface="Cambria Math" panose="02040503050406030204" pitchFamily="18" charset="0"/>
+                                </a:rPr>
                                 <m:t>𝑓</m:t>
                               </m:r>
                             </m:e>
@@ -20043,29 +20433,39 @@
                       <m:func>
                         <m:funcPr>
                           <m:ctrlPr>
-                            <a:rPr lang="en-US" sz="1600" i="1"/>
+                            <a:rPr lang="en-US" sz="1600" i="1">
+                              <a:latin typeface="Cambria Math" panose="02040503050406030204" pitchFamily="18" charset="0"/>
+                            </a:rPr>
                           </m:ctrlPr>
                         </m:funcPr>
                         <m:fName>
                           <m:r>
-                            <a:rPr lang="en-US" sz="1600" i="1"/>
+                            <a:rPr lang="en-US" sz="1600" i="1">
+                              <a:latin typeface="Cambria Math" panose="02040503050406030204" pitchFamily="18" charset="0"/>
+                            </a:rPr>
                             <m:t>𝑙𝑜𝑔</m:t>
                           </m:r>
                         </m:fName>
                         <m:e>
                           <m:r>
-                            <a:rPr lang="en-US" sz="1600" i="1"/>
+                            <a:rPr lang="en-US" sz="1600" i="1">
+                              <a:latin typeface="Cambria Math" panose="02040503050406030204" pitchFamily="18" charset="0"/>
+                            </a:rPr>
                             <m:t>𝑃</m:t>
                           </m:r>
                           <m:d>
                             <m:dPr>
                               <m:ctrlPr>
-                                <a:rPr lang="en-US" sz="1600" i="1"/>
+                                <a:rPr lang="en-US" sz="1600" i="1">
+                                  <a:latin typeface="Cambria Math" panose="02040503050406030204" pitchFamily="18" charset="0"/>
+                                </a:rPr>
                               </m:ctrlPr>
                             </m:dPr>
                             <m:e>
                               <m:r>
-                                <a:rPr lang="en-US" sz="1600" i="1"/>
+                                <a:rPr lang="en-US" sz="1600" i="1">
+                                  <a:latin typeface="Cambria Math" panose="02040503050406030204" pitchFamily="18" charset="0"/>
+                                </a:rPr>
                                 <m:t>−</m:t>
                               </m:r>
                             </m:e>
@@ -20074,12 +20474,16 @@
                                 <m:accPr>
                                   <m:chr m:val="̅"/>
                                   <m:ctrlPr>
-                                    <a:rPr lang="en-US" sz="1600" i="1"/>
+                                    <a:rPr lang="en-US" sz="1600" i="1">
+                                      <a:latin typeface="Cambria Math" panose="02040503050406030204" pitchFamily="18" charset="0"/>
+                                    </a:rPr>
                                   </m:ctrlPr>
                                 </m:accPr>
                                 <m:e>
                                   <m:r>
-                                    <a:rPr lang="en-US" sz="1600" i="1"/>
+                                    <a:rPr lang="en-US" sz="1600" i="1">
+                                      <a:latin typeface="Cambria Math" panose="02040503050406030204" pitchFamily="18" charset="0"/>
+                                    </a:rPr>
                                     <m:t>𝑓</m:t>
                                   </m:r>
                                 </m:e>
@@ -20110,18 +20514,24 @@
                 <a14:m>
                   <m:oMath xmlns:m="http://schemas.openxmlformats.org/officeDocument/2006/math">
                     <m:r>
-                      <a:rPr lang="en-US" sz="1600" i="1"/>
+                      <a:rPr lang="en-US" sz="1600" i="1">
+                        <a:latin typeface="Cambria Math" panose="02040503050406030204" pitchFamily="18" charset="0"/>
+                      </a:rPr>
                       <m:t>𝑃</m:t>
                     </m:r>
                     <m:d>
                       <m:dPr>
                         <m:ctrlPr>
-                          <a:rPr lang="en-US" sz="1600" i="1"/>
+                          <a:rPr lang="en-US" sz="1600" i="1">
+                            <a:latin typeface="Cambria Math" panose="02040503050406030204" pitchFamily="18" charset="0"/>
+                          </a:rPr>
                         </m:ctrlPr>
                       </m:dPr>
                       <m:e>
                         <m:r>
-                          <a:rPr lang="en-US" sz="1600" i="1"/>
+                          <a:rPr lang="en-US" sz="1600" i="1">
+                            <a:latin typeface="Cambria Math" panose="02040503050406030204" pitchFamily="18" charset="0"/>
+                          </a:rPr>
                           <m:t>𝑓</m:t>
                         </m:r>
                       </m:e>
@@ -20141,13 +20551,17 @@
                 <a14:m>
                   <m:oMath xmlns:m="http://schemas.openxmlformats.org/officeDocument/2006/math">
                     <m:r>
-                      <a:rPr lang="en-US" sz="1600" i="1"/>
+                      <a:rPr lang="en-US" sz="1600" i="1">
+                        <a:latin typeface="Cambria Math" panose="02040503050406030204" pitchFamily="18" charset="0"/>
+                      </a:rPr>
                       <m:t>𝑃</m:t>
                     </m:r>
                     <m:d>
                       <m:dPr>
                         <m:ctrlPr>
-                          <a:rPr lang="en-US" sz="1600" i="1"/>
+                          <a:rPr lang="en-US" sz="1600" i="1">
+                            <a:latin typeface="Cambria Math" panose="02040503050406030204" pitchFamily="18" charset="0"/>
+                          </a:rPr>
                         </m:ctrlPr>
                       </m:dPr>
                       <m:e>
@@ -20155,12 +20569,16 @@
                           <m:accPr>
                             <m:chr m:val="̅"/>
                             <m:ctrlPr>
-                              <a:rPr lang="en-US" sz="1600" i="1"/>
+                              <a:rPr lang="en-US" sz="1600" i="1">
+                                <a:latin typeface="Cambria Math" panose="02040503050406030204" pitchFamily="18" charset="0"/>
+                              </a:rPr>
                             </m:ctrlPr>
                           </m:accPr>
                           <m:e>
                             <m:r>
-                              <a:rPr lang="en-US" sz="1600" i="1"/>
+                              <a:rPr lang="en-US" sz="1600" i="1">
+                                <a:latin typeface="Cambria Math" panose="02040503050406030204" pitchFamily="18" charset="0"/>
+                              </a:rPr>
                               <m:t>𝑓</m:t>
                             </m:r>
                           </m:e>
@@ -20182,22 +20600,30 @@
                 <a14:m>
                   <m:oMath xmlns:m="http://schemas.openxmlformats.org/officeDocument/2006/math">
                     <m:r>
-                      <a:rPr lang="en-US" sz="1600" i="1"/>
+                      <a:rPr lang="en-US" sz="1600" i="1">
+                        <a:latin typeface="Cambria Math" panose="02040503050406030204" pitchFamily="18" charset="0"/>
+                      </a:rPr>
                       <m:t>𝑃</m:t>
                     </m:r>
                     <m:d>
                       <m:dPr>
                         <m:ctrlPr>
-                          <a:rPr lang="en-US" sz="1600" i="1"/>
+                          <a:rPr lang="en-US" sz="1600" i="1">
+                            <a:latin typeface="Cambria Math" panose="02040503050406030204" pitchFamily="18" charset="0"/>
+                          </a:rPr>
                         </m:ctrlPr>
                       </m:dPr>
                       <m:e>
                         <m:r>
-                          <a:rPr lang="en-US" sz="1600" i="1"/>
+                          <a:rPr lang="en-US" sz="1600" i="1">
+                            <a:latin typeface="Cambria Math" panose="02040503050406030204" pitchFamily="18" charset="0"/>
+                          </a:rPr>
                           <m:t>+|</m:t>
                         </m:r>
                         <m:r>
-                          <a:rPr lang="en-US" sz="1600" i="1"/>
+                          <a:rPr lang="en-US" sz="1600" i="1">
+                            <a:latin typeface="Cambria Math" panose="02040503050406030204" pitchFamily="18" charset="0"/>
+                          </a:rPr>
                           <m:t>𝑓</m:t>
                         </m:r>
                       </m:e>
@@ -20214,22 +20640,30 @@
                 <a14:m>
                   <m:oMath xmlns:m="http://schemas.openxmlformats.org/officeDocument/2006/math">
                     <m:r>
-                      <a:rPr lang="en-US" sz="1600" i="1"/>
+                      <a:rPr lang="en-US" sz="1600" i="1">
+                        <a:latin typeface="Cambria Math" panose="02040503050406030204" pitchFamily="18" charset="0"/>
+                      </a:rPr>
                       <m:t>𝑃</m:t>
                     </m:r>
                     <m:d>
                       <m:dPr>
                         <m:ctrlPr>
-                          <a:rPr lang="en-US" sz="1600" i="1"/>
+                          <a:rPr lang="en-US" sz="1600" i="1">
+                            <a:latin typeface="Cambria Math" panose="02040503050406030204" pitchFamily="18" charset="0"/>
+                          </a:rPr>
                         </m:ctrlPr>
                       </m:dPr>
                       <m:e>
                         <m:r>
-                          <a:rPr lang="en-US" sz="1600" i="1"/>
+                          <a:rPr lang="en-US" sz="1600" i="1">
+                            <a:latin typeface="Cambria Math" panose="02040503050406030204" pitchFamily="18" charset="0"/>
+                          </a:rPr>
                           <m:t>−|</m:t>
                         </m:r>
                         <m:r>
-                          <a:rPr lang="en-US" sz="1600" i="1"/>
+                          <a:rPr lang="en-US" sz="1600" i="1">
+                            <a:latin typeface="Cambria Math" panose="02040503050406030204" pitchFamily="18" charset="0"/>
+                          </a:rPr>
                           <m:t>𝑓</m:t>
                         </m:r>
                       </m:e>
@@ -20248,30 +20682,40 @@
                 <a14:m>
                   <m:oMath xmlns:m="http://schemas.openxmlformats.org/officeDocument/2006/math">
                     <m:r>
-                      <a:rPr lang="en-US" sz="1600" i="1"/>
+                      <a:rPr lang="en-US" sz="1600" i="1">
+                        <a:latin typeface="Cambria Math" panose="02040503050406030204" pitchFamily="18" charset="0"/>
+                      </a:rPr>
                       <m:t>𝑃</m:t>
                     </m:r>
                     <m:d>
                       <m:dPr>
                         <m:ctrlPr>
-                          <a:rPr lang="en-US" sz="1600" i="1"/>
+                          <a:rPr lang="en-US" sz="1600" i="1">
+                            <a:latin typeface="Cambria Math" panose="02040503050406030204" pitchFamily="18" charset="0"/>
+                          </a:rPr>
                         </m:ctrlPr>
                       </m:dPr>
                       <m:e>
                         <m:r>
-                          <a:rPr lang="en-US" sz="1600" i="1"/>
+                          <a:rPr lang="en-US" sz="1600" i="1">
+                            <a:latin typeface="Cambria Math" panose="02040503050406030204" pitchFamily="18" charset="0"/>
+                          </a:rPr>
                           <m:t>+|</m:t>
                         </m:r>
                         <m:acc>
                           <m:accPr>
                             <m:chr m:val="̅"/>
                             <m:ctrlPr>
-                              <a:rPr lang="en-US" sz="1600" i="1"/>
+                              <a:rPr lang="en-US" sz="1600" i="1">
+                                <a:latin typeface="Cambria Math" panose="02040503050406030204" pitchFamily="18" charset="0"/>
+                              </a:rPr>
                             </m:ctrlPr>
                           </m:accPr>
                           <m:e>
                             <m:r>
-                              <a:rPr lang="en-US" sz="1600" i="1"/>
+                              <a:rPr lang="en-US" sz="1600" i="1">
+                                <a:latin typeface="Cambria Math" panose="02040503050406030204" pitchFamily="18" charset="0"/>
+                              </a:rPr>
                               <m:t>𝑓</m:t>
                             </m:r>
                           </m:e>
@@ -20290,30 +20734,40 @@
                 <a14:m>
                   <m:oMath xmlns:m="http://schemas.openxmlformats.org/officeDocument/2006/math">
                     <m:r>
-                      <a:rPr lang="en-US" sz="1600" i="1"/>
+                      <a:rPr lang="en-US" sz="1600" i="1">
+                        <a:latin typeface="Cambria Math" panose="02040503050406030204" pitchFamily="18" charset="0"/>
+                      </a:rPr>
                       <m:t>𝑃</m:t>
                     </m:r>
                     <m:d>
                       <m:dPr>
                         <m:ctrlPr>
-                          <a:rPr lang="en-US" sz="1600" i="1"/>
+                          <a:rPr lang="en-US" sz="1600" i="1">
+                            <a:latin typeface="Cambria Math" panose="02040503050406030204" pitchFamily="18" charset="0"/>
+                          </a:rPr>
                         </m:ctrlPr>
                       </m:dPr>
                       <m:e>
                         <m:r>
-                          <a:rPr lang="en-US" sz="1600" i="1"/>
+                          <a:rPr lang="en-US" sz="1600" i="1">
+                            <a:latin typeface="Cambria Math" panose="02040503050406030204" pitchFamily="18" charset="0"/>
+                          </a:rPr>
                           <m:t>−|</m:t>
                         </m:r>
                         <m:acc>
                           <m:accPr>
                             <m:chr m:val="̅"/>
                             <m:ctrlPr>
-                              <a:rPr lang="en-US" sz="1600" i="1"/>
+                              <a:rPr lang="en-US" sz="1600" i="1">
+                                <a:latin typeface="Cambria Math" panose="02040503050406030204" pitchFamily="18" charset="0"/>
+                              </a:rPr>
                             </m:ctrlPr>
                           </m:accPr>
                           <m:e>
                             <m:r>
-                              <a:rPr lang="en-US" sz="1600" i="1"/>
+                              <a:rPr lang="en-US" sz="1600" i="1">
+                                <a:latin typeface="Cambria Math" panose="02040503050406030204" pitchFamily="18" charset="0"/>
+                              </a:rPr>
                               <m:t>𝑓</m:t>
                             </m:r>
                           </m:e>
@@ -20344,7 +20798,7 @@
             </p:txBody>
           </p:sp>
         </mc:Choice>
-        <mc:Fallback>
+        <mc:Fallback xmlns="">
           <p:sp>
             <p:nvSpPr>
               <p:cNvPr id="2" name="Rectangle 1"/>
